--- a/hackathon pres3.pptx
+++ b/hackathon pres3.pptx
@@ -9,13 +9,12 @@
     <p:sldId id="256" r:id="rId3"/>
     <p:sldId id="257" r:id="rId4"/>
     <p:sldId id="258" r:id="rId5"/>
-    <p:sldId id="262" r:id="rId6"/>
-    <p:sldId id="260" r:id="rId7"/>
-    <p:sldId id="266" r:id="rId8"/>
-    <p:sldId id="261" r:id="rId9"/>
-    <p:sldId id="259" r:id="rId10"/>
-    <p:sldId id="263" r:id="rId11"/>
-    <p:sldId id="264" r:id="rId12"/>
+    <p:sldId id="260" r:id="rId6"/>
+    <p:sldId id="266" r:id="rId7"/>
+    <p:sldId id="261" r:id="rId8"/>
+    <p:sldId id="259" r:id="rId9"/>
+    <p:sldId id="263" r:id="rId10"/>
+    <p:sldId id="264" r:id="rId11"/>
   </p:sldIdLst>
   <p:sldSz cx="12192000" cy="6858000"/>
   <p:notesSz cx="6858000" cy="9144000"/>
@@ -246,7 +245,7 @@
           <a:p>
             <a:fld id="{66552608-F46F-4F17-9F7A-20239C36698E}" type="datetimeFigureOut">
               <a:rPr lang="en-US" smtClean="0"/>
-              <a:t>4/1/2017</a:t>
+              <a:t>4/1/17</a:t>
             </a:fld>
             <a:endParaRPr lang="en-US"/>
           </a:p>
@@ -414,7 +413,7 @@
           <a:p>
             <a:fld id="{66552608-F46F-4F17-9F7A-20239C36698E}" type="datetimeFigureOut">
               <a:rPr lang="en-US" smtClean="0"/>
-              <a:t>4/1/2017</a:t>
+              <a:t>4/1/17</a:t>
             </a:fld>
             <a:endParaRPr lang="en-US"/>
           </a:p>
@@ -592,7 +591,7 @@
           <a:p>
             <a:fld id="{66552608-F46F-4F17-9F7A-20239C36698E}" type="datetimeFigureOut">
               <a:rPr lang="en-US" smtClean="0"/>
-              <a:t>4/1/2017</a:t>
+              <a:t>4/1/17</a:t>
             </a:fld>
             <a:endParaRPr lang="en-US"/>
           </a:p>
@@ -760,7 +759,7 @@
           <a:p>
             <a:fld id="{66552608-F46F-4F17-9F7A-20239C36698E}" type="datetimeFigureOut">
               <a:rPr lang="en-US" smtClean="0"/>
-              <a:t>4/1/2017</a:t>
+              <a:t>4/1/17</a:t>
             </a:fld>
             <a:endParaRPr lang="en-US"/>
           </a:p>
@@ -1005,7 +1004,7 @@
           <a:p>
             <a:fld id="{66552608-F46F-4F17-9F7A-20239C36698E}" type="datetimeFigureOut">
               <a:rPr lang="en-US" smtClean="0"/>
-              <a:t>4/1/2017</a:t>
+              <a:t>4/1/17</a:t>
             </a:fld>
             <a:endParaRPr lang="en-US"/>
           </a:p>
@@ -1234,7 +1233,7 @@
           <a:p>
             <a:fld id="{66552608-F46F-4F17-9F7A-20239C36698E}" type="datetimeFigureOut">
               <a:rPr lang="en-US" smtClean="0"/>
-              <a:t>4/1/2017</a:t>
+              <a:t>4/1/17</a:t>
             </a:fld>
             <a:endParaRPr lang="en-US"/>
           </a:p>
@@ -1598,7 +1597,7 @@
           <a:p>
             <a:fld id="{66552608-F46F-4F17-9F7A-20239C36698E}" type="datetimeFigureOut">
               <a:rPr lang="en-US" smtClean="0"/>
-              <a:t>4/1/2017</a:t>
+              <a:t>4/1/17</a:t>
             </a:fld>
             <a:endParaRPr lang="en-US"/>
           </a:p>
@@ -1715,7 +1714,7 @@
           <a:p>
             <a:fld id="{66552608-F46F-4F17-9F7A-20239C36698E}" type="datetimeFigureOut">
               <a:rPr lang="en-US" smtClean="0"/>
-              <a:t>4/1/2017</a:t>
+              <a:t>4/1/17</a:t>
             </a:fld>
             <a:endParaRPr lang="en-US"/>
           </a:p>
@@ -1810,7 +1809,7 @@
           <a:p>
             <a:fld id="{66552608-F46F-4F17-9F7A-20239C36698E}" type="datetimeFigureOut">
               <a:rPr lang="en-US" smtClean="0"/>
-              <a:t>4/1/2017</a:t>
+              <a:t>4/1/17</a:t>
             </a:fld>
             <a:endParaRPr lang="en-US"/>
           </a:p>
@@ -2085,7 +2084,7 @@
           <a:p>
             <a:fld id="{66552608-F46F-4F17-9F7A-20239C36698E}" type="datetimeFigureOut">
               <a:rPr lang="en-US" smtClean="0"/>
-              <a:t>4/1/2017</a:t>
+              <a:t>4/1/17</a:t>
             </a:fld>
             <a:endParaRPr lang="en-US"/>
           </a:p>
@@ -2337,7 +2336,7 @@
           <a:p>
             <a:fld id="{66552608-F46F-4F17-9F7A-20239C36698E}" type="datetimeFigureOut">
               <a:rPr lang="en-US" smtClean="0"/>
-              <a:t>4/1/2017</a:t>
+              <a:t>4/1/17</a:t>
             </a:fld>
             <a:endParaRPr lang="en-US"/>
           </a:p>
@@ -2557,7 +2556,7 @@
           <a:p>
             <a:fld id="{66552608-F46F-4F17-9F7A-20239C36698E}" type="datetimeFigureOut">
               <a:rPr lang="en-US" smtClean="0"/>
-              <a:t>4/1/2017</a:t>
+              <a:t>4/1/17</a:t>
             </a:fld>
             <a:endParaRPr lang="en-US"/>
           </a:p>
@@ -3035,9 +3034,60 @@
               <a:buNone/>
             </a:pPr>
             <a:r>
-              <a:rPr lang="en-US" sz="2000" dirty="0"/>
-              <a:t>Names</a:t>
-            </a:r>
+              <a:rPr lang="en-US" sz="2000" dirty="0" smtClean="0"/>
+              <a:t>Hanan Ibrahim</a:t>
+            </a:r>
+          </a:p>
+          <a:p>
+            <a:pPr marL="0" indent="0">
+              <a:buNone/>
+            </a:pPr>
+            <a:r>
+              <a:rPr lang="en-US" sz="2000" dirty="0" smtClean="0"/>
+              <a:t>Ruby </a:t>
+            </a:r>
+            <a:r>
+              <a:rPr lang="en-US" sz="2000" dirty="0" err="1" smtClean="0"/>
+              <a:t>Kassala</a:t>
+            </a:r>
+            <a:endParaRPr lang="en-US" sz="2000" dirty="0" smtClean="0"/>
+          </a:p>
+          <a:p>
+            <a:pPr marL="0" indent="0">
+              <a:buNone/>
+            </a:pPr>
+            <a:r>
+              <a:rPr lang="en-US" sz="2000" dirty="0" smtClean="0"/>
+              <a:t>James Gamble JR</a:t>
+            </a:r>
+          </a:p>
+          <a:p>
+            <a:pPr marL="0" indent="0">
+              <a:buNone/>
+            </a:pPr>
+            <a:r>
+              <a:rPr lang="en-US" sz="2000" dirty="0" smtClean="0"/>
+              <a:t>Steve </a:t>
+            </a:r>
+            <a:r>
+              <a:rPr lang="en-US" sz="2000" dirty="0" err="1" smtClean="0"/>
+              <a:t>Buza</a:t>
+            </a:r>
+            <a:endParaRPr lang="en-US" sz="2000" dirty="0" smtClean="0"/>
+          </a:p>
+          <a:p>
+            <a:pPr marL="0" indent="0">
+              <a:buNone/>
+            </a:pPr>
+            <a:r>
+              <a:rPr lang="en-US" sz="2000" dirty="0" err="1" smtClean="0"/>
+              <a:t>Ja’Lon</a:t>
+            </a:r>
+            <a:r>
+              <a:rPr lang="en-US" sz="2000" dirty="0" smtClean="0"/>
+              <a:t> </a:t>
+            </a:r>
+            <a:endParaRPr lang="en-US" sz="2000" dirty="0"/>
           </a:p>
           <a:p>
             <a:pPr marL="0" indent="0">
@@ -3288,88 +3338,17 @@
   <p:clrMapOvr>
     <a:masterClrMapping/>
   </p:clrMapOvr>
+  <p:timing>
+    <p:tnLst>
+      <p:par>
+        <p:cTn xmlns:p14="http://schemas.microsoft.com/office/powerpoint/2010/main" id="1" dur="indefinite" restart="never" nodeType="tmRoot"/>
+      </p:par>
+    </p:tnLst>
+  </p:timing>
 </p:sld>
 </file>
 
 <file path=ppt/slides/slide10.xml><?xml version="1.0" encoding="utf-8"?>
-<p:sld xmlns:a="http://schemas.openxmlformats.org/drawingml/2006/main" xmlns:r="http://schemas.openxmlformats.org/officeDocument/2006/relationships" xmlns:p="http://schemas.openxmlformats.org/presentationml/2006/main">
-  <p:cSld>
-    <p:bg>
-      <p:bgPr>
-        <a:blipFill dpi="0" rotWithShape="1">
-          <a:blip r:embed="rId2">
-            <a:lum/>
-          </a:blip>
-          <a:srcRect/>
-          <a:stretch>
-            <a:fillRect t="-10000" b="-10000"/>
-          </a:stretch>
-        </a:blipFill>
-        <a:effectLst/>
-      </p:bgPr>
-    </p:bg>
-    <p:spTree>
-      <p:nvGrpSpPr>
-        <p:cNvPr id="1" name=""/>
-        <p:cNvGrpSpPr/>
-        <p:nvPr/>
-      </p:nvGrpSpPr>
-      <p:grpSpPr>
-        <a:xfrm>
-          <a:off x="0" y="0"/>
-          <a:ext cx="0" cy="0"/>
-          <a:chOff x="0" y="0"/>
-          <a:chExt cx="0" cy="0"/>
-        </a:xfrm>
-      </p:grpSpPr>
-      <p:sp>
-        <p:nvSpPr>
-          <p:cNvPr id="2" name="TextBox 1"/>
-          <p:cNvSpPr txBox="1"/>
-          <p:nvPr/>
-        </p:nvSpPr>
-        <p:spPr>
-          <a:xfrm>
-            <a:off x="3775587" y="1563328"/>
-            <a:ext cx="5574891" cy="1323439"/>
-          </a:xfrm>
-          <a:prstGeom prst="rect">
-            <a:avLst/>
-          </a:prstGeom>
-          <a:noFill/>
-        </p:spPr>
-        <p:txBody>
-          <a:bodyPr wrap="square" rtlCol="0">
-            <a:spAutoFit/>
-          </a:bodyPr>
-          <a:lstStyle/>
-          <a:p>
-            <a:r>
-              <a:rPr lang="en-US" sz="8000" dirty="0">
-                <a:solidFill>
-                  <a:schemeClr val="bg1"/>
-                </a:solidFill>
-              </a:rPr>
-              <a:t>Thank You!</a:t>
-            </a:r>
-            <a:endParaRPr lang="en-US" dirty="0"/>
-          </a:p>
-        </p:txBody>
-      </p:sp>
-    </p:spTree>
-    <p:extLst>
-      <p:ext uri="{BB962C8B-B14F-4D97-AF65-F5344CB8AC3E}">
-        <p14:creationId xmlns:p14="http://schemas.microsoft.com/office/powerpoint/2010/main" val="2771596089"/>
-      </p:ext>
-    </p:extLst>
-  </p:cSld>
-  <p:clrMapOvr>
-    <a:masterClrMapping/>
-  </p:clrMapOvr>
-</p:sld>
-</file>
-
-<file path=ppt/slides/slide11.xml><?xml version="1.0" encoding="utf-8"?>
 <p:sld xmlns:a="http://schemas.openxmlformats.org/drawingml/2006/main" xmlns:r="http://schemas.openxmlformats.org/officeDocument/2006/relationships" xmlns:p="http://schemas.openxmlformats.org/presentationml/2006/main">
   <p:cSld>
     <p:spTree>
@@ -3700,34 +3679,6 @@
           </a:p>
         </p:txBody>
       </p:sp>
-      <p:sp>
-        <p:nvSpPr>
-          <p:cNvPr id="19" name="TextBox 18"/>
-          <p:cNvSpPr txBox="1"/>
-          <p:nvPr/>
-        </p:nvSpPr>
-        <p:spPr>
-          <a:xfrm>
-            <a:off x="4409768" y="4247535"/>
-            <a:ext cx="1297858" cy="1263354"/>
-          </a:xfrm>
-          <a:prstGeom prst="rect">
-            <a:avLst/>
-          </a:prstGeom>
-          <a:solidFill>
-            <a:schemeClr val="bg1"/>
-          </a:solidFill>
-        </p:spPr>
-        <p:txBody>
-          <a:bodyPr wrap="square" rtlCol="0">
-            <a:spAutoFit/>
-          </a:bodyPr>
-          <a:lstStyle/>
-          <a:p>
-            <a:endParaRPr lang="en-US" dirty="0"/>
-          </a:p>
-        </p:txBody>
-      </p:sp>
       <p:cxnSp>
         <p:nvCxnSpPr>
           <p:cNvPr id="21" name="Straight Connector 20"/>
@@ -4258,6 +4209,13 @@
   <p:clrMapOvr>
     <a:masterClrMapping/>
   </p:clrMapOvr>
+  <p:timing>
+    <p:tnLst>
+      <p:par>
+        <p:cTn xmlns:p14="http://schemas.microsoft.com/office/powerpoint/2010/main" id="1" dur="indefinite" restart="never" nodeType="tmRoot"/>
+      </p:par>
+    </p:tnLst>
+  </p:timing>
 </p:sld>
 </file>
 
@@ -4316,7 +4274,7 @@
           </a:prstGeom>
           <a:noFill/>
           <a:extLst>
-            <a:ext uri="{909E8E84-426E-40DD-AFC4-6F175D3DCCD1}">
+            <a:ext uri="{909E8E84-426E-40dd-AFC4-6F175D3DCCD1}">
               <a14:hiddenFill xmlns:a14="http://schemas.microsoft.com/office/drawing/2010/main">
                 <a:solidFill>
                   <a:srgbClr val="FFFFFF"/>
@@ -4369,6 +4327,13 @@
   <p:clrMapOvr>
     <a:masterClrMapping/>
   </p:clrMapOvr>
+  <p:timing>
+    <p:tnLst>
+      <p:par>
+        <p:cTn xmlns:p14="http://schemas.microsoft.com/office/powerpoint/2010/main" id="1" dur="indefinite" restart="never" nodeType="tmRoot"/>
+      </p:par>
+    </p:tnLst>
+  </p:timing>
 </p:sld>
 </file>
 
@@ -4399,34 +4364,27 @@
             <p:ph type="title"/>
           </p:nvPr>
         </p:nvSpPr>
-        <p:spPr/>
-        <p:txBody>
-          <a:bodyPr/>
-          <a:lstStyle/>
-          <a:p>
-            <a:r>
-              <a:rPr lang="en-US" b="1" dirty="0"/>
-              <a:t>Front End</a:t>
-            </a:r>
-          </a:p>
-        </p:txBody>
-      </p:sp>
-      <p:sp>
-        <p:nvSpPr>
-          <p:cNvPr id="3" name="Content Placeholder 2"/>
-          <p:cNvSpPr>
-            <a:spLocks noGrp="1"/>
-          </p:cNvSpPr>
-          <p:nvPr>
-            <p:ph idx="1"/>
-          </p:nvPr>
-        </p:nvSpPr>
-        <p:spPr/>
-        <p:txBody>
-          <a:bodyPr/>
-          <a:lstStyle/>
-          <a:p>
-            <a:endParaRPr lang="en-US" dirty="0"/>
+        <p:spPr>
+          <a:xfrm>
+            <a:off x="1766454" y="1842944"/>
+            <a:ext cx="8051799" cy="1325563"/>
+          </a:xfrm>
+        </p:spPr>
+        <p:txBody>
+          <a:bodyPr>
+            <a:noAutofit/>
+          </a:bodyPr>
+          <a:lstStyle/>
+          <a:p>
+            <a:pPr algn="ctr"/>
+            <a:r>
+              <a:rPr lang="en-US" sz="9600" b="1" dirty="0" smtClean="0"/>
+              <a:t>Front </a:t>
+            </a:r>
+            <a:r>
+              <a:rPr lang="en-US" sz="9600" b="1" dirty="0"/>
+              <a:t>End</a:t>
+            </a:r>
           </a:p>
         </p:txBody>
       </p:sp>
@@ -4440,6 +4398,13 @@
   <p:clrMapOvr>
     <a:masterClrMapping/>
   </p:clrMapOvr>
+  <p:timing>
+    <p:tnLst>
+      <p:par>
+        <p:cTn xmlns:p14="http://schemas.microsoft.com/office/powerpoint/2010/main" id="1" dur="indefinite" restart="never" nodeType="tmRoot"/>
+      </p:par>
+    </p:tnLst>
+  </p:timing>
 </p:sld>
 </file>
 
@@ -4470,41 +4435,31 @@
             <p:ph type="title"/>
           </p:nvPr>
         </p:nvSpPr>
-        <p:spPr/>
-        <p:txBody>
-          <a:bodyPr/>
-          <a:lstStyle/>
-          <a:p>
-            <a:r>
-              <a:rPr lang="en-US" b="1" dirty="0"/>
-              <a:t>Push/Pull</a:t>
-            </a:r>
-          </a:p>
-        </p:txBody>
-      </p:sp>
-      <p:sp>
-        <p:nvSpPr>
-          <p:cNvPr id="3" name="Content Placeholder 2"/>
-          <p:cNvSpPr>
-            <a:spLocks noGrp="1"/>
-          </p:cNvSpPr>
-          <p:nvPr>
-            <p:ph idx="1"/>
-          </p:nvPr>
-        </p:nvSpPr>
-        <p:spPr/>
-        <p:txBody>
-          <a:bodyPr/>
-          <a:lstStyle/>
-          <a:p>
-            <a:endParaRPr lang="en-US"/>
+        <p:spPr>
+          <a:xfrm>
+            <a:off x="549564" y="1785216"/>
+            <a:ext cx="10515600" cy="1325563"/>
+          </a:xfrm>
+        </p:spPr>
+        <p:txBody>
+          <a:bodyPr>
+            <a:normAutofit/>
+          </a:bodyPr>
+          <a:lstStyle/>
+          <a:p>
+            <a:pPr algn="ctr"/>
+            <a:r>
+              <a:rPr lang="en-US" sz="8800" b="1" dirty="0" smtClean="0"/>
+              <a:t>Back End</a:t>
+            </a:r>
+            <a:endParaRPr lang="en-US" sz="8800" b="1" dirty="0"/>
           </a:p>
         </p:txBody>
       </p:sp>
     </p:spTree>
     <p:extLst>
       <p:ext uri="{BB962C8B-B14F-4D97-AF65-F5344CB8AC3E}">
-        <p14:creationId xmlns:p14="http://schemas.microsoft.com/office/powerpoint/2010/main" val="4196899621"/>
+        <p14:creationId xmlns:p14="http://schemas.microsoft.com/office/powerpoint/2010/main" val="220475989"/>
       </p:ext>
     </p:extLst>
   </p:cSld>
@@ -4541,41 +4496,29 @@
             <p:ph type="title"/>
           </p:nvPr>
         </p:nvSpPr>
-        <p:spPr/>
-        <p:txBody>
-          <a:bodyPr/>
-          <a:lstStyle/>
-          <a:p>
-            <a:r>
-              <a:rPr lang="en-US" b="1" dirty="0"/>
-              <a:t>Back End</a:t>
-            </a:r>
-          </a:p>
-        </p:txBody>
-      </p:sp>
-      <p:sp>
-        <p:nvSpPr>
-          <p:cNvPr id="3" name="Content Placeholder 2"/>
-          <p:cNvSpPr>
-            <a:spLocks noGrp="1"/>
-          </p:cNvSpPr>
-          <p:nvPr>
-            <p:ph idx="1"/>
-          </p:nvPr>
-        </p:nvSpPr>
-        <p:spPr/>
-        <p:txBody>
-          <a:bodyPr/>
-          <a:lstStyle/>
-          <a:p>
-            <a:endParaRPr lang="en-US"/>
+        <p:spPr>
+          <a:xfrm>
+            <a:off x="584200" y="2200852"/>
+            <a:ext cx="10515600" cy="1325563"/>
+          </a:xfrm>
+        </p:spPr>
+        <p:txBody>
+          <a:bodyPr/>
+          <a:lstStyle/>
+          <a:p>
+            <a:pPr algn="ctr"/>
+            <a:r>
+              <a:rPr lang="en-US" sz="8000" b="1" dirty="0"/>
+              <a:t>Challenges</a:t>
+            </a:r>
+            <a:endParaRPr lang="en-US" b="1" dirty="0"/>
           </a:p>
         </p:txBody>
       </p:sp>
     </p:spTree>
     <p:extLst>
       <p:ext uri="{BB962C8B-B14F-4D97-AF65-F5344CB8AC3E}">
-        <p14:creationId xmlns:p14="http://schemas.microsoft.com/office/powerpoint/2010/main" val="220475989"/>
+        <p14:creationId xmlns:p14="http://schemas.microsoft.com/office/powerpoint/2010/main" val="2770105957"/>
       </p:ext>
     </p:extLst>
   </p:cSld>
@@ -4612,41 +4555,31 @@
             <p:ph type="title"/>
           </p:nvPr>
         </p:nvSpPr>
-        <p:spPr/>
-        <p:txBody>
-          <a:bodyPr/>
-          <a:lstStyle/>
-          <a:p>
-            <a:r>
-              <a:rPr lang="en-US" b="1" dirty="0"/>
-              <a:t>Challenges</a:t>
-            </a:r>
-          </a:p>
-        </p:txBody>
-      </p:sp>
-      <p:sp>
-        <p:nvSpPr>
-          <p:cNvPr id="3" name="Content Placeholder 2"/>
-          <p:cNvSpPr>
-            <a:spLocks noGrp="1"/>
-          </p:cNvSpPr>
-          <p:nvPr>
-            <p:ph idx="1"/>
-          </p:nvPr>
-        </p:nvSpPr>
-        <p:spPr/>
-        <p:txBody>
-          <a:bodyPr/>
-          <a:lstStyle/>
-          <a:p>
-            <a:endParaRPr lang="en-US"/>
+        <p:spPr>
+          <a:xfrm>
+            <a:off x="653473" y="1692852"/>
+            <a:ext cx="10515600" cy="1325563"/>
+          </a:xfrm>
+        </p:spPr>
+        <p:txBody>
+          <a:bodyPr>
+            <a:normAutofit/>
+          </a:bodyPr>
+          <a:lstStyle/>
+          <a:p>
+            <a:pPr algn="ctr"/>
+            <a:r>
+              <a:rPr lang="en-US" sz="8000" b="1" dirty="0"/>
+              <a:t>Demonstration</a:t>
+            </a:r>
+            <a:endParaRPr lang="en-US" sz="4800" b="1" dirty="0"/>
           </a:p>
         </p:txBody>
       </p:sp>
     </p:spTree>
     <p:extLst>
       <p:ext uri="{BB962C8B-B14F-4D97-AF65-F5344CB8AC3E}">
-        <p14:creationId xmlns:p14="http://schemas.microsoft.com/office/powerpoint/2010/main" val="2770105957"/>
+        <p14:creationId xmlns:p14="http://schemas.microsoft.com/office/powerpoint/2010/main" val="1922357115"/>
       </p:ext>
     </p:extLst>
   </p:cSld>
@@ -4659,6 +4592,20 @@
 <file path=ppt/slides/slide8.xml><?xml version="1.0" encoding="utf-8"?>
 <p:sld xmlns:a="http://schemas.openxmlformats.org/drawingml/2006/main" xmlns:r="http://schemas.openxmlformats.org/officeDocument/2006/relationships" xmlns:p="http://schemas.openxmlformats.org/presentationml/2006/main">
   <p:cSld>
+    <p:bg>
+      <p:bgPr>
+        <a:blipFill dpi="0" rotWithShape="1">
+          <a:blip r:embed="rId2">
+            <a:lum/>
+          </a:blip>
+          <a:srcRect/>
+          <a:stretch>
+            <a:fillRect t="-10000" b="-10000"/>
+          </a:stretch>
+        </a:blipFill>
+        <a:effectLst/>
+      </p:bgPr>
+    </p:bg>
     <p:spTree>
       <p:nvGrpSpPr>
         <p:cNvPr id="1" name=""/>
@@ -4673,51 +4620,10 @@
           <a:chExt cx="0" cy="0"/>
         </a:xfrm>
       </p:grpSpPr>
-      <p:sp>
-        <p:nvSpPr>
-          <p:cNvPr id="2" name="Title 1"/>
-          <p:cNvSpPr>
-            <a:spLocks noGrp="1"/>
-          </p:cNvSpPr>
-          <p:nvPr>
-            <p:ph type="title"/>
-          </p:nvPr>
-        </p:nvSpPr>
-        <p:spPr/>
-        <p:txBody>
-          <a:bodyPr/>
-          <a:lstStyle/>
-          <a:p>
-            <a:r>
-              <a:rPr lang="en-US" b="1" dirty="0"/>
-              <a:t>Demonstration</a:t>
-            </a:r>
-          </a:p>
-        </p:txBody>
-      </p:sp>
-      <p:sp>
-        <p:nvSpPr>
-          <p:cNvPr id="3" name="Content Placeholder 2"/>
-          <p:cNvSpPr>
-            <a:spLocks noGrp="1"/>
-          </p:cNvSpPr>
-          <p:nvPr>
-            <p:ph idx="1"/>
-          </p:nvPr>
-        </p:nvSpPr>
-        <p:spPr/>
-        <p:txBody>
-          <a:bodyPr/>
-          <a:lstStyle/>
-          <a:p>
-            <a:endParaRPr lang="en-US"/>
-          </a:p>
-        </p:txBody>
-      </p:sp>
     </p:spTree>
     <p:extLst>
       <p:ext uri="{BB962C8B-B14F-4D97-AF65-F5344CB8AC3E}">
-        <p14:creationId xmlns:p14="http://schemas.microsoft.com/office/powerpoint/2010/main" val="1922357115"/>
+        <p14:creationId xmlns:p14="http://schemas.microsoft.com/office/powerpoint/2010/main" val="4215595720"/>
       </p:ext>
     </p:extLst>
   </p:cSld>
@@ -4758,10 +4664,44 @@
           <a:chExt cx="0" cy="0"/>
         </a:xfrm>
       </p:grpSpPr>
+      <p:sp>
+        <p:nvSpPr>
+          <p:cNvPr id="2" name="TextBox 1"/>
+          <p:cNvSpPr txBox="1"/>
+          <p:nvPr/>
+        </p:nvSpPr>
+        <p:spPr>
+          <a:xfrm>
+            <a:off x="3775587" y="1563328"/>
+            <a:ext cx="5574891" cy="1323439"/>
+          </a:xfrm>
+          <a:prstGeom prst="rect">
+            <a:avLst/>
+          </a:prstGeom>
+          <a:noFill/>
+        </p:spPr>
+        <p:txBody>
+          <a:bodyPr wrap="square" rtlCol="0">
+            <a:spAutoFit/>
+          </a:bodyPr>
+          <a:lstStyle/>
+          <a:p>
+            <a:r>
+              <a:rPr lang="en-US" sz="8000" dirty="0">
+                <a:solidFill>
+                  <a:schemeClr val="bg1"/>
+                </a:solidFill>
+              </a:rPr>
+              <a:t>Thank You!</a:t>
+            </a:r>
+            <a:endParaRPr lang="en-US" dirty="0"/>
+          </a:p>
+        </p:txBody>
+      </p:sp>
     </p:spTree>
     <p:extLst>
       <p:ext uri="{BB962C8B-B14F-4D97-AF65-F5344CB8AC3E}">
-        <p14:creationId xmlns:p14="http://schemas.microsoft.com/office/powerpoint/2010/main" val="4215595720"/>
+        <p14:creationId xmlns:p14="http://schemas.microsoft.com/office/powerpoint/2010/main" val="2771596089"/>
       </p:ext>
     </p:extLst>
   </p:cSld>
@@ -4814,7 +4754,7 @@
     </a:clrScheme>
     <a:fontScheme name="Office">
       <a:majorFont>
-        <a:latin typeface="Calibri Light" panose="020F0302020204030204"/>
+        <a:latin typeface="Calibri Light"/>
         <a:ea typeface=""/>
         <a:cs typeface=""/>
         <a:font script="Jpan" typeface="游ゴシック Light"/>
@@ -4866,7 +4806,7 @@
         <a:font script="Tfng" typeface="Ebrima"/>
       </a:majorFont>
       <a:minorFont>
-        <a:latin typeface="Calibri" panose="020F0502020204030204"/>
+        <a:latin typeface="Calibri"/>
         <a:ea typeface=""/>
         <a:cs typeface=""/>
         <a:font script="Jpan" typeface="游ゴシック"/>
@@ -5060,7 +5000,7 @@
   <a:extraClrSchemeLst/>
   <a:extLst>
     <a:ext uri="{05A4C25C-085E-4340-85A3-A5531E510DB2}">
-      <thm15:themeFamily xmlns:thm15="http://schemas.microsoft.com/office/thememl/2012/main" name="Office Theme" id="{62F939B6-93AF-4DB8-9C6B-D6C7DFDC589F}" vid="{4A3C46E8-61CC-4603-A589-7422A47A8E4A}"/>
+      <thm15:themeFamily xmlns:thm15="http://schemas.microsoft.com/office/thememl/2012/main" xmlns="" name="Office Theme" id="{62F939B6-93AF-4DB8-9C6B-D6C7DFDC589F}" vid="{4A3C46E8-61CC-4603-A589-7422A47A8E4A}"/>
     </a:ext>
   </a:extLst>
 </a:theme>

--- a/hackathon pres3.pptx
+++ b/hackathon pres3.pptx
@@ -12,9 +12,8 @@
     <p:sldId id="260" r:id="rId6"/>
     <p:sldId id="266" r:id="rId7"/>
     <p:sldId id="261" r:id="rId8"/>
-    <p:sldId id="259" r:id="rId9"/>
-    <p:sldId id="263" r:id="rId10"/>
-    <p:sldId id="264" r:id="rId11"/>
+    <p:sldId id="264" r:id="rId9"/>
+    <p:sldId id="267" r:id="rId10"/>
   </p:sldIdLst>
   <p:sldSz cx="12192000" cy="6858000"/>
   <p:notesSz cx="6858000" cy="9144000"/>
@@ -2995,7 +2994,9 @@
         </p:nvSpPr>
         <p:spPr/>
         <p:txBody>
-          <a:bodyPr/>
+          <a:bodyPr>
+            <a:normAutofit/>
+          </a:bodyPr>
           <a:lstStyle/>
           <a:p>
             <a:pPr marL="0" indent="0">
@@ -3027,15 +3028,19 @@
             <a:pPr marL="0" indent="0">
               <a:buNone/>
             </a:pPr>
-            <a:endParaRPr lang="en-US" sz="2000" dirty="0"/>
+            <a:endParaRPr lang="en-US" sz="2000" dirty="0" smtClean="0"/>
           </a:p>
           <a:p>
             <a:pPr marL="0" indent="0">
               <a:buNone/>
             </a:pPr>
             <a:r>
+              <a:rPr lang="en-US" sz="2000" dirty="0" err="1" smtClean="0"/>
+              <a:t>Hanan</a:t>
+            </a:r>
+            <a:r>
               <a:rPr lang="en-US" sz="2000" dirty="0" smtClean="0"/>
-              <a:t>Hanan Ibrahim</a:t>
+              <a:t> Ibrahim</a:t>
             </a:r>
           </a:p>
           <a:p>
@@ -3058,7 +3063,7 @@
             </a:pPr>
             <a:r>
               <a:rPr lang="en-US" sz="2000" dirty="0" smtClean="0"/>
-              <a:t>James Gamble JR</a:t>
+              <a:t>Ja’Lon Sisson</a:t>
             </a:r>
           </a:p>
           <a:p>
@@ -3080,20 +3085,10 @@
               <a:buNone/>
             </a:pPr>
             <a:r>
-              <a:rPr lang="en-US" sz="2000" dirty="0" err="1" smtClean="0"/>
-              <a:t>Ja’Lon</a:t>
-            </a:r>
-            <a:r>
               <a:rPr lang="en-US" sz="2000" dirty="0" smtClean="0"/>
-              <a:t> </a:t>
-            </a:r>
-            <a:endParaRPr lang="en-US" sz="2000" dirty="0"/>
-          </a:p>
-          <a:p>
-            <a:pPr marL="0" indent="0">
-              <a:buNone/>
-            </a:pPr>
-            <a:endParaRPr lang="en-US" dirty="0"/>
+              <a:t>James Gamble JR</a:t>
+            </a:r>
+            <a:endParaRPr lang="en-US" dirty="0" smtClean="0"/>
           </a:p>
           <a:p>
             <a:pPr marL="0" indent="0">
@@ -3345,66 +3340,6 @@
       </p:par>
     </p:tnLst>
   </p:timing>
-</p:sld>
-</file>
-
-<file path=ppt/slides/slide10.xml><?xml version="1.0" encoding="utf-8"?>
-<p:sld xmlns:a="http://schemas.openxmlformats.org/drawingml/2006/main" xmlns:r="http://schemas.openxmlformats.org/officeDocument/2006/relationships" xmlns:p="http://schemas.openxmlformats.org/presentationml/2006/main">
-  <p:cSld>
-    <p:spTree>
-      <p:nvGrpSpPr>
-        <p:cNvPr id="1" name=""/>
-        <p:cNvGrpSpPr/>
-        <p:nvPr/>
-      </p:nvGrpSpPr>
-      <p:grpSpPr>
-        <a:xfrm>
-          <a:off x="0" y="0"/>
-          <a:ext cx="0" cy="0"/>
-          <a:chOff x="0" y="0"/>
-          <a:chExt cx="0" cy="0"/>
-        </a:xfrm>
-      </p:grpSpPr>
-      <p:sp>
-        <p:nvSpPr>
-          <p:cNvPr id="4" name="TextBox 3"/>
-          <p:cNvSpPr txBox="1"/>
-          <p:nvPr/>
-        </p:nvSpPr>
-        <p:spPr>
-          <a:xfrm>
-            <a:off x="2448233" y="1666568"/>
-            <a:ext cx="7669161" cy="1446550"/>
-          </a:xfrm>
-          <a:prstGeom prst="rect">
-            <a:avLst/>
-          </a:prstGeom>
-          <a:noFill/>
-        </p:spPr>
-        <p:txBody>
-          <a:bodyPr wrap="square" rtlCol="0">
-            <a:spAutoFit/>
-          </a:bodyPr>
-          <a:lstStyle/>
-          <a:p>
-            <a:pPr algn="ctr"/>
-            <a:r>
-              <a:rPr lang="en-US" sz="8800" dirty="0"/>
-              <a:t>Questions?</a:t>
-            </a:r>
-          </a:p>
-        </p:txBody>
-      </p:sp>
-    </p:spTree>
-    <p:extLst>
-      <p:ext uri="{BB962C8B-B14F-4D97-AF65-F5344CB8AC3E}">
-        <p14:creationId xmlns:p14="http://schemas.microsoft.com/office/powerpoint/2010/main" val="2802734163"/>
-      </p:ext>
-    </p:extLst>
-  </p:cSld>
-  <p:clrMapOvr>
-    <a:masterClrMapping/>
-  </p:clrMapOvr>
 </p:sld>
 </file>
 
@@ -4366,7 +4301,7 @@
         </p:nvSpPr>
         <p:spPr>
           <a:xfrm>
-            <a:off x="1766454" y="1842944"/>
+            <a:off x="1806987" y="2842682"/>
             <a:ext cx="8051799" cy="1325563"/>
           </a:xfrm>
         </p:spPr>
@@ -4437,7 +4372,7 @@
         </p:nvSpPr>
         <p:spPr>
           <a:xfrm>
-            <a:off x="549564" y="1785216"/>
+            <a:off x="698185" y="2838994"/>
             <a:ext cx="10515600" cy="1325563"/>
           </a:xfrm>
         </p:spPr>
@@ -4498,7 +4433,7 @@
         </p:nvSpPr>
         <p:spPr>
           <a:xfrm>
-            <a:off x="584200" y="2200852"/>
+            <a:off x="543667" y="2997940"/>
             <a:ext cx="10515600" cy="1325563"/>
           </a:xfrm>
         </p:spPr>
@@ -4557,7 +4492,7 @@
         </p:nvSpPr>
         <p:spPr>
           <a:xfrm>
-            <a:off x="653473" y="1692852"/>
+            <a:off x="653473" y="2787160"/>
             <a:ext cx="10515600" cy="1325563"/>
           </a:xfrm>
         </p:spPr>
@@ -4592,20 +4527,6 @@
 <file path=ppt/slides/slide8.xml><?xml version="1.0" encoding="utf-8"?>
 <p:sld xmlns:a="http://schemas.openxmlformats.org/drawingml/2006/main" xmlns:r="http://schemas.openxmlformats.org/officeDocument/2006/relationships" xmlns:p="http://schemas.openxmlformats.org/presentationml/2006/main">
   <p:cSld>
-    <p:bg>
-      <p:bgPr>
-        <a:blipFill dpi="0" rotWithShape="1">
-          <a:blip r:embed="rId2">
-            <a:lum/>
-          </a:blip>
-          <a:srcRect/>
-          <a:stretch>
-            <a:fillRect t="-10000" b="-10000"/>
-          </a:stretch>
-        </a:blipFill>
-        <a:effectLst/>
-      </p:bgPr>
-    </p:bg>
     <p:spTree>
       <p:nvGrpSpPr>
         <p:cNvPr id="1" name=""/>
@@ -4620,10 +4541,40 @@
           <a:chExt cx="0" cy="0"/>
         </a:xfrm>
       </p:grpSpPr>
+      <p:sp>
+        <p:nvSpPr>
+          <p:cNvPr id="4" name="TextBox 3"/>
+          <p:cNvSpPr txBox="1"/>
+          <p:nvPr/>
+        </p:nvSpPr>
+        <p:spPr>
+          <a:xfrm>
+            <a:off x="2448233" y="1666568"/>
+            <a:ext cx="7669161" cy="1446550"/>
+          </a:xfrm>
+          <a:prstGeom prst="rect">
+            <a:avLst/>
+          </a:prstGeom>
+          <a:noFill/>
+        </p:spPr>
+        <p:txBody>
+          <a:bodyPr wrap="square" rtlCol="0">
+            <a:spAutoFit/>
+          </a:bodyPr>
+          <a:lstStyle/>
+          <a:p>
+            <a:pPr algn="ctr"/>
+            <a:r>
+              <a:rPr lang="en-US" sz="8800" dirty="0"/>
+              <a:t>Questions?</a:t>
+            </a:r>
+          </a:p>
+        </p:txBody>
+      </p:sp>
     </p:spTree>
     <p:extLst>
       <p:ext uri="{BB962C8B-B14F-4D97-AF65-F5344CB8AC3E}">
-        <p14:creationId xmlns:p14="http://schemas.microsoft.com/office/powerpoint/2010/main" val="4215595720"/>
+        <p14:creationId xmlns:p14="http://schemas.microsoft.com/office/powerpoint/2010/main" val="2802734163"/>
       </p:ext>
     </p:extLst>
   </p:cSld>
@@ -4636,20 +4587,6 @@
 <file path=ppt/slides/slide9.xml><?xml version="1.0" encoding="utf-8"?>
 <p:sld xmlns:a="http://schemas.openxmlformats.org/drawingml/2006/main" xmlns:r="http://schemas.openxmlformats.org/officeDocument/2006/relationships" xmlns:p="http://schemas.openxmlformats.org/presentationml/2006/main">
   <p:cSld>
-    <p:bg>
-      <p:bgPr>
-        <a:blipFill dpi="0" rotWithShape="1">
-          <a:blip r:embed="rId2">
-            <a:lum/>
-          </a:blip>
-          <a:srcRect/>
-          <a:stretch>
-            <a:fillRect t="-10000" b="-10000"/>
-          </a:stretch>
-        </a:blipFill>
-        <a:effectLst/>
-      </p:bgPr>
-    </p:bg>
     <p:spTree>
       <p:nvGrpSpPr>
         <p:cNvPr id="1" name=""/>
@@ -4666,42 +4603,57 @@
       </p:grpSpPr>
       <p:sp>
         <p:nvSpPr>
-          <p:cNvPr id="2" name="TextBox 1"/>
-          <p:cNvSpPr txBox="1"/>
-          <p:nvPr/>
-        </p:nvSpPr>
+          <p:cNvPr id="2" name="Title 1"/>
+          <p:cNvSpPr>
+            <a:spLocks noGrp="1"/>
+          </p:cNvSpPr>
+          <p:nvPr>
+            <p:ph type="title"/>
+          </p:nvPr>
+        </p:nvSpPr>
+        <p:spPr/>
+        <p:txBody>
+          <a:bodyPr/>
+          <a:lstStyle/>
+          <a:p>
+            <a:endParaRPr lang="en-US"/>
+          </a:p>
+        </p:txBody>
+      </p:sp>
+      <p:pic>
+        <p:nvPicPr>
+          <p:cNvPr id="4" name="Content Placeholder 3" descr="1A399121-21E9-49AD-ADA2-CFB7836898F2.jpeg"/>
+          <p:cNvPicPr>
+            <a:picLocks noGrp="1" noChangeAspect="1"/>
+          </p:cNvPicPr>
+          <p:nvPr>
+            <p:ph idx="1"/>
+          </p:nvPr>
+        </p:nvPicPr>
+        <p:blipFill>
+          <a:blip r:embed="rId2">
+            <a:extLst>
+              <a:ext uri="{28A0092B-C50C-407E-A947-70E740481C1C}">
+                <a14:useLocalDpi xmlns:a14="http://schemas.microsoft.com/office/drawing/2010/main" val="0"/>
+              </a:ext>
+            </a:extLst>
+          </a:blip>
+          <a:srcRect t="13275" b="13275"/>
+          <a:stretch>
+            <a:fillRect/>
+          </a:stretch>
+        </p:blipFill>
         <p:spPr>
           <a:xfrm>
-            <a:off x="3775587" y="1563328"/>
-            <a:ext cx="5574891" cy="1323439"/>
-          </a:xfrm>
-          <a:prstGeom prst="rect">
-            <a:avLst/>
-          </a:prstGeom>
-          <a:noFill/>
-        </p:spPr>
-        <p:txBody>
-          <a:bodyPr wrap="square" rtlCol="0">
-            <a:spAutoFit/>
-          </a:bodyPr>
-          <a:lstStyle/>
-          <a:p>
-            <a:r>
-              <a:rPr lang="en-US" sz="8000" dirty="0">
-                <a:solidFill>
-                  <a:schemeClr val="bg1"/>
-                </a:solidFill>
-              </a:rPr>
-              <a:t>Thank You!</a:t>
-            </a:r>
-            <a:endParaRPr lang="en-US" dirty="0"/>
-          </a:p>
-        </p:txBody>
-      </p:sp>
+            <a:off x="0" y="675499"/>
+            <a:ext cx="12177960" cy="5431009"/>
+          </a:xfrm>
+        </p:spPr>
+      </p:pic>
     </p:spTree>
     <p:extLst>
       <p:ext uri="{BB962C8B-B14F-4D97-AF65-F5344CB8AC3E}">
-        <p14:creationId xmlns:p14="http://schemas.microsoft.com/office/powerpoint/2010/main" val="2771596089"/>
+        <p14:creationId xmlns:p14="http://schemas.microsoft.com/office/powerpoint/2010/main" val="981172995"/>
       </p:ext>
     </p:extLst>
   </p:cSld>
@@ -5000,7 +4952,7 @@
   <a:extraClrSchemeLst/>
   <a:extLst>
     <a:ext uri="{05A4C25C-085E-4340-85A3-A5531E510DB2}">
-      <thm15:themeFamily xmlns:thm15="http://schemas.microsoft.com/office/thememl/2012/main" xmlns="" name="Office Theme" id="{62F939B6-93AF-4DB8-9C6B-D6C7DFDC589F}" vid="{4A3C46E8-61CC-4603-A589-7422A47A8E4A}"/>
+      <thm15:themeFamily xmlns="" xmlns:thm15="http://schemas.microsoft.com/office/thememl/2012/main" name="Office Theme" id="{62F939B6-93AF-4DB8-9C6B-D6C7DFDC589F}" vid="{4A3C46E8-61CC-4603-A589-7422A47A8E4A}"/>
     </a:ext>
   </a:extLst>
 </a:theme>

--- a/hackathon pres3.pptx
+++ b/hackathon pres3.pptx
@@ -12,8 +12,8 @@
     <p:sldId id="260" r:id="rId6"/>
     <p:sldId id="266" r:id="rId7"/>
     <p:sldId id="261" r:id="rId8"/>
-    <p:sldId id="264" r:id="rId9"/>
-    <p:sldId id="267" r:id="rId10"/>
+    <p:sldId id="267" r:id="rId9"/>
+    <p:sldId id="264" r:id="rId10"/>
   </p:sldIdLst>
   <p:sldSz cx="12192000" cy="6858000"/>
   <p:notesSz cx="6858000" cy="9144000"/>
@@ -4433,7 +4433,7 @@
         </p:nvSpPr>
         <p:spPr>
           <a:xfrm>
-            <a:off x="543667" y="2997940"/>
+            <a:off x="557178" y="2822310"/>
             <a:ext cx="10515600" cy="1325563"/>
           </a:xfrm>
         </p:spPr>
@@ -4504,8 +4504,8 @@
           <a:p>
             <a:pPr algn="ctr"/>
             <a:r>
-              <a:rPr lang="en-US" sz="8000" b="1" dirty="0"/>
-              <a:t>Demonstration</a:t>
+              <a:rPr lang="en-US" sz="8000" b="1" dirty="0" smtClean="0"/>
+              <a:t>Demo</a:t>
             </a:r>
             <a:endParaRPr lang="en-US" sz="4800" b="1" dirty="0"/>
           </a:p>
@@ -4543,38 +4543,57 @@
       </p:grpSpPr>
       <p:sp>
         <p:nvSpPr>
-          <p:cNvPr id="4" name="TextBox 3"/>
-          <p:cNvSpPr txBox="1"/>
-          <p:nvPr/>
-        </p:nvSpPr>
+          <p:cNvPr id="2" name="Title 1"/>
+          <p:cNvSpPr>
+            <a:spLocks noGrp="1"/>
+          </p:cNvSpPr>
+          <p:nvPr>
+            <p:ph type="title"/>
+          </p:nvPr>
+        </p:nvSpPr>
+        <p:spPr/>
+        <p:txBody>
+          <a:bodyPr/>
+          <a:lstStyle/>
+          <a:p>
+            <a:endParaRPr lang="en-US"/>
+          </a:p>
+        </p:txBody>
+      </p:sp>
+      <p:pic>
+        <p:nvPicPr>
+          <p:cNvPr id="4" name="Content Placeholder 3" descr="1A399121-21E9-49AD-ADA2-CFB7836898F2.jpeg"/>
+          <p:cNvPicPr>
+            <a:picLocks noGrp="1" noChangeAspect="1"/>
+          </p:cNvPicPr>
+          <p:nvPr>
+            <p:ph idx="1"/>
+          </p:nvPr>
+        </p:nvPicPr>
+        <p:blipFill>
+          <a:blip r:embed="rId2">
+            <a:extLst>
+              <a:ext uri="{28A0092B-C50C-407E-A947-70E740481C1C}">
+                <a14:useLocalDpi xmlns:a14="http://schemas.microsoft.com/office/drawing/2010/main" val="0"/>
+              </a:ext>
+            </a:extLst>
+          </a:blip>
+          <a:srcRect t="13275" b="13275"/>
+          <a:stretch>
+            <a:fillRect/>
+          </a:stretch>
+        </p:blipFill>
         <p:spPr>
           <a:xfrm>
-            <a:off x="2448233" y="1666568"/>
-            <a:ext cx="7669161" cy="1446550"/>
-          </a:xfrm>
-          <a:prstGeom prst="rect">
-            <a:avLst/>
-          </a:prstGeom>
-          <a:noFill/>
-        </p:spPr>
-        <p:txBody>
-          <a:bodyPr wrap="square" rtlCol="0">
-            <a:spAutoFit/>
-          </a:bodyPr>
-          <a:lstStyle/>
-          <a:p>
-            <a:pPr algn="ctr"/>
-            <a:r>
-              <a:rPr lang="en-US" sz="8800" dirty="0"/>
-              <a:t>Questions?</a:t>
-            </a:r>
-          </a:p>
-        </p:txBody>
-      </p:sp>
+            <a:off x="0" y="675499"/>
+            <a:ext cx="12177960" cy="5431009"/>
+          </a:xfrm>
+        </p:spPr>
+      </p:pic>
     </p:spTree>
     <p:extLst>
       <p:ext uri="{BB962C8B-B14F-4D97-AF65-F5344CB8AC3E}">
-        <p14:creationId xmlns:p14="http://schemas.microsoft.com/office/powerpoint/2010/main" val="2802734163"/>
+        <p14:creationId xmlns:p14="http://schemas.microsoft.com/office/powerpoint/2010/main" val="981172995"/>
       </p:ext>
     </p:extLst>
   </p:cSld>
@@ -4603,57 +4622,38 @@
       </p:grpSpPr>
       <p:sp>
         <p:nvSpPr>
-          <p:cNvPr id="2" name="Title 1"/>
-          <p:cNvSpPr>
-            <a:spLocks noGrp="1"/>
-          </p:cNvSpPr>
-          <p:nvPr>
-            <p:ph type="title"/>
-          </p:nvPr>
-        </p:nvSpPr>
-        <p:spPr/>
-        <p:txBody>
-          <a:bodyPr/>
-          <a:lstStyle/>
-          <a:p>
-            <a:endParaRPr lang="en-US"/>
-          </a:p>
-        </p:txBody>
-      </p:sp>
-      <p:pic>
-        <p:nvPicPr>
-          <p:cNvPr id="4" name="Content Placeholder 3" descr="1A399121-21E9-49AD-ADA2-CFB7836898F2.jpeg"/>
-          <p:cNvPicPr>
-            <a:picLocks noGrp="1" noChangeAspect="1"/>
-          </p:cNvPicPr>
-          <p:nvPr>
-            <p:ph idx="1"/>
-          </p:nvPr>
-        </p:nvPicPr>
-        <p:blipFill>
-          <a:blip r:embed="rId2">
-            <a:extLst>
-              <a:ext uri="{28A0092B-C50C-407E-A947-70E740481C1C}">
-                <a14:useLocalDpi xmlns:a14="http://schemas.microsoft.com/office/drawing/2010/main" val="0"/>
-              </a:ext>
-            </a:extLst>
-          </a:blip>
-          <a:srcRect t="13275" b="13275"/>
-          <a:stretch>
-            <a:fillRect/>
-          </a:stretch>
-        </p:blipFill>
+          <p:cNvPr id="4" name="TextBox 3"/>
+          <p:cNvSpPr txBox="1"/>
+          <p:nvPr/>
+        </p:nvSpPr>
         <p:spPr>
           <a:xfrm>
-            <a:off x="0" y="675499"/>
-            <a:ext cx="12177960" cy="5431009"/>
-          </a:xfrm>
-        </p:spPr>
-      </p:pic>
+            <a:off x="2448233" y="2679816"/>
+            <a:ext cx="7669161" cy="1446550"/>
+          </a:xfrm>
+          <a:prstGeom prst="rect">
+            <a:avLst/>
+          </a:prstGeom>
+          <a:noFill/>
+        </p:spPr>
+        <p:txBody>
+          <a:bodyPr wrap="square" rtlCol="0">
+            <a:spAutoFit/>
+          </a:bodyPr>
+          <a:lstStyle/>
+          <a:p>
+            <a:pPr algn="ctr"/>
+            <a:r>
+              <a:rPr lang="en-US" sz="8800" dirty="0"/>
+              <a:t>Questions?</a:t>
+            </a:r>
+          </a:p>
+        </p:txBody>
+      </p:sp>
     </p:spTree>
     <p:extLst>
       <p:ext uri="{BB962C8B-B14F-4D97-AF65-F5344CB8AC3E}">
-        <p14:creationId xmlns:p14="http://schemas.microsoft.com/office/powerpoint/2010/main" val="981172995"/>
+        <p14:creationId xmlns:p14="http://schemas.microsoft.com/office/powerpoint/2010/main" val="2802734163"/>
       </p:ext>
     </p:extLst>
   </p:cSld>

--- a/hackathon pres3.pptx
+++ b/hackathon pres3.pptx
@@ -7,13 +7,15 @@
   <p:sldIdLst>
     <p:sldId id="265" r:id="rId2"/>
     <p:sldId id="256" r:id="rId3"/>
-    <p:sldId id="257" r:id="rId4"/>
-    <p:sldId id="258" r:id="rId5"/>
-    <p:sldId id="260" r:id="rId6"/>
+    <p:sldId id="258" r:id="rId4"/>
+    <p:sldId id="260" r:id="rId5"/>
+    <p:sldId id="269" r:id="rId6"/>
     <p:sldId id="266" r:id="rId7"/>
-    <p:sldId id="261" r:id="rId8"/>
-    <p:sldId id="267" r:id="rId9"/>
-    <p:sldId id="264" r:id="rId10"/>
+    <p:sldId id="268" r:id="rId8"/>
+    <p:sldId id="271" r:id="rId9"/>
+    <p:sldId id="270" r:id="rId10"/>
+    <p:sldId id="267" r:id="rId11"/>
+    <p:sldId id="257" r:id="rId12"/>
   </p:sldIdLst>
   <p:sldSz cx="12192000" cy="6858000"/>
   <p:notesSz cx="6858000" cy="9144000"/>
@@ -2975,10 +2977,52 @@
           <a:bodyPr/>
           <a:lstStyle/>
           <a:p>
-            <a:r>
-              <a:rPr lang="en-US" b="1" dirty="0"/>
-              <a:t>2017 NSBE Hackathon</a:t>
-            </a:r>
+            <a:pPr algn="ctr"/>
+            <a:r>
+              <a:rPr lang="en-US" b="1" dirty="0" smtClean="0">
+                <a:latin typeface="Arial"/>
+                <a:cs typeface="Arial"/>
+              </a:rPr>
+              <a:t>2017 NSBE </a:t>
+            </a:r>
+            <a:r>
+              <a:rPr lang="en-US" b="1" dirty="0" err="1" smtClean="0">
+                <a:latin typeface="Arial"/>
+                <a:cs typeface="Arial"/>
+              </a:rPr>
+              <a:t>Hackathon</a:t>
+            </a:r>
+            <a:r>
+              <a:rPr lang="en-US" b="1" dirty="0" smtClean="0">
+                <a:latin typeface="Arial"/>
+                <a:cs typeface="Arial"/>
+              </a:rPr>
+              <a:t> – </a:t>
+            </a:r>
+            <a:r>
+              <a:rPr lang="en-US" b="1" dirty="0" err="1" smtClean="0">
+                <a:latin typeface="Arial"/>
+                <a:cs typeface="Arial"/>
+              </a:rPr>
+              <a:t>gNET</a:t>
+            </a:r>
+            <a:r>
+              <a:rPr lang="en-US" b="1" dirty="0" smtClean="0">
+                <a:latin typeface="Arial"/>
+                <a:cs typeface="Arial"/>
+              </a:rPr>
+              <a:t>+</a:t>
+            </a:r>
+            <a:br>
+              <a:rPr lang="en-US" b="1" dirty="0" smtClean="0">
+                <a:latin typeface="Arial"/>
+                <a:cs typeface="Arial"/>
+              </a:rPr>
+            </a:br>
+            <a:endParaRPr lang="en-US" dirty="0">
+              <a:latin typeface="Arial"/>
+              <a:cs typeface="Arial"/>
+            </a:endParaRPr>
           </a:p>
         </p:txBody>
       </p:sp>
@@ -3002,15 +3046,7 @@
             <a:pPr marL="0" indent="0">
               <a:buNone/>
             </a:pPr>
-            <a:r>
-              <a:rPr lang="en-US" sz="4400" dirty="0"/>
-              <a:t>Team </a:t>
-            </a:r>
-            <a:r>
-              <a:rPr lang="en-US" sz="4400" dirty="0" err="1"/>
-              <a:t>gNET</a:t>
-            </a:r>
-            <a:endParaRPr lang="en-US" sz="4400" dirty="0"/>
+            <a:endParaRPr lang="en-US" sz="2000" dirty="0"/>
           </a:p>
           <a:p>
             <a:pPr marL="0" indent="0">
@@ -3022,73 +3058,67 @@
             <a:pPr marL="0" indent="0">
               <a:buNone/>
             </a:pPr>
-            <a:endParaRPr lang="en-US" sz="2000" dirty="0"/>
+            <a:endParaRPr lang="en-US" sz="2000" dirty="0" smtClean="0"/>
           </a:p>
           <a:p>
             <a:pPr marL="0" indent="0">
               <a:buNone/>
             </a:pPr>
-            <a:endParaRPr lang="en-US" sz="2000" dirty="0" smtClean="0"/>
+            <a:r>
+              <a:rPr lang="en-US" sz="2000" b="1" dirty="0" err="1" smtClean="0"/>
+              <a:t>Hanan</a:t>
+            </a:r>
+            <a:r>
+              <a:rPr lang="en-US" sz="2000" b="1" dirty="0" smtClean="0"/>
+              <a:t> Ibrahim</a:t>
+            </a:r>
           </a:p>
           <a:p>
             <a:pPr marL="0" indent="0">
               <a:buNone/>
             </a:pPr>
             <a:r>
-              <a:rPr lang="en-US" sz="2000" dirty="0" err="1" smtClean="0"/>
-              <a:t>Hanan</a:t>
-            </a:r>
-            <a:r>
-              <a:rPr lang="en-US" sz="2000" dirty="0" smtClean="0"/>
-              <a:t> Ibrahim</a:t>
-            </a:r>
+              <a:rPr lang="en-US" sz="2000" b="1" dirty="0" smtClean="0"/>
+              <a:t>Ruby </a:t>
+            </a:r>
+            <a:r>
+              <a:rPr lang="en-US" sz="2000" b="1" dirty="0" err="1" smtClean="0"/>
+              <a:t>Kassala</a:t>
+            </a:r>
+            <a:endParaRPr lang="en-US" sz="2000" b="1" dirty="0" smtClean="0"/>
           </a:p>
           <a:p>
             <a:pPr marL="0" indent="0">
               <a:buNone/>
             </a:pPr>
             <a:r>
-              <a:rPr lang="en-US" sz="2000" dirty="0" smtClean="0"/>
-              <a:t>Ruby </a:t>
-            </a:r>
-            <a:r>
-              <a:rPr lang="en-US" sz="2000" dirty="0" err="1" smtClean="0"/>
-              <a:t>Kassala</a:t>
-            </a:r>
-            <a:endParaRPr lang="en-US" sz="2000" dirty="0" smtClean="0"/>
+              <a:rPr lang="en-US" sz="2000" b="1" dirty="0" smtClean="0"/>
+              <a:t>Ja’Lon Sisson</a:t>
+            </a:r>
           </a:p>
           <a:p>
             <a:pPr marL="0" indent="0">
               <a:buNone/>
             </a:pPr>
             <a:r>
-              <a:rPr lang="en-US" sz="2000" dirty="0" smtClean="0"/>
-              <a:t>Ja’Lon Sisson</a:t>
-            </a:r>
+              <a:rPr lang="en-US" sz="2000" b="1" dirty="0" smtClean="0"/>
+              <a:t>Steve </a:t>
+            </a:r>
+            <a:r>
+              <a:rPr lang="en-US" sz="2000" b="1" dirty="0" err="1" smtClean="0"/>
+              <a:t>Buza</a:t>
+            </a:r>
+            <a:endParaRPr lang="en-US" sz="2000" b="1" dirty="0" smtClean="0"/>
           </a:p>
           <a:p>
             <a:pPr marL="0" indent="0">
               <a:buNone/>
             </a:pPr>
             <a:r>
-              <a:rPr lang="en-US" sz="2000" dirty="0" smtClean="0"/>
-              <a:t>Steve </a:t>
-            </a:r>
-            <a:r>
-              <a:rPr lang="en-US" sz="2000" dirty="0" err="1" smtClean="0"/>
-              <a:t>Buza</a:t>
-            </a:r>
-            <a:endParaRPr lang="en-US" sz="2000" dirty="0" smtClean="0"/>
-          </a:p>
-          <a:p>
-            <a:pPr marL="0" indent="0">
-              <a:buNone/>
-            </a:pPr>
-            <a:r>
-              <a:rPr lang="en-US" sz="2000" dirty="0" smtClean="0"/>
+              <a:rPr lang="en-US" sz="2000" b="1" dirty="0" smtClean="0"/>
               <a:t>James Gamble JR</a:t>
             </a:r>
-            <a:endParaRPr lang="en-US" dirty="0" smtClean="0"/>
+            <a:endParaRPr lang="en-US" b="1" dirty="0" smtClean="0"/>
           </a:p>
           <a:p>
             <a:pPr marL="0" indent="0">
@@ -3106,7 +3136,7 @@
       </p:sp>
       <p:pic>
         <p:nvPicPr>
-          <p:cNvPr id="5" name="Picture 4"/>
+          <p:cNvPr id="9" name="Picture 8" descr="Screen Shot 2017-04-01 at 11.33.06 AM.png"/>
           <p:cNvPicPr>
             <a:picLocks noChangeAspect="1"/>
           </p:cNvPicPr>
@@ -3115,9 +3145,39 @@
         <p:blipFill>
           <a:blip r:embed="rId2">
             <a:extLst>
+              <a:ext uri="{28A0092B-C50C-407E-A947-70E740481C1C}">
+                <a14:useLocalDpi xmlns:a14="http://schemas.microsoft.com/office/drawing/2010/main" val="0"/>
+              </a:ext>
+            </a:extLst>
+          </a:blip>
+          <a:stretch>
+            <a:fillRect/>
+          </a:stretch>
+        </p:blipFill>
+        <p:spPr>
+          <a:xfrm>
+            <a:off x="7782342" y="2850604"/>
+            <a:ext cx="4409657" cy="4007396"/>
+          </a:xfrm>
+          <a:prstGeom prst="rect">
+            <a:avLst/>
+          </a:prstGeom>
+        </p:spPr>
+      </p:pic>
+      <p:pic>
+        <p:nvPicPr>
+          <p:cNvPr id="10" name="Picture 9"/>
+          <p:cNvPicPr>
+            <a:picLocks noChangeAspect="1"/>
+          </p:cNvPicPr>
+          <p:nvPr/>
+        </p:nvPicPr>
+        <p:blipFill>
+          <a:blip r:embed="rId3">
+            <a:extLst>
               <a:ext uri="{BEBA8EAE-BF5A-486C-A8C5-ECC9F3942E4B}">
                 <a14:imgProps xmlns:a14="http://schemas.microsoft.com/office/drawing/2010/main">
-                  <a14:imgLayer r:embed="rId3">
+                  <a14:imgLayer r:embed="rId4">
                     <a14:imgEffect>
                       <a14:backgroundRemoval t="0" b="98696" l="1370" r="100000">
                         <a14:foregroundMark x1="46575" y1="47826" x2="46575" y2="47826"/>
@@ -3156,7 +3216,7 @@
         </p:blipFill>
         <p:spPr>
           <a:xfrm>
-            <a:off x="6674955" y="656512"/>
+            <a:off x="4569231" y="1952035"/>
             <a:ext cx="1626082" cy="1707757"/>
           </a:xfrm>
           <a:prstGeom prst="rect">
@@ -3166,18 +3226,18 @@
       </p:pic>
       <p:pic>
         <p:nvPicPr>
-          <p:cNvPr id="6" name="Picture 5"/>
+          <p:cNvPr id="11" name="Picture 10"/>
           <p:cNvPicPr>
             <a:picLocks noChangeAspect="1"/>
           </p:cNvPicPr>
           <p:nvPr/>
         </p:nvPicPr>
         <p:blipFill>
-          <a:blip r:embed="rId4">
+          <a:blip r:embed="rId5">
             <a:extLst>
               <a:ext uri="{BEBA8EAE-BF5A-486C-A8C5-ECC9F3942E4B}">
                 <a14:imgProps xmlns:a14="http://schemas.microsoft.com/office/drawing/2010/main">
-                  <a14:imgLayer r:embed="rId5">
+                  <a14:imgLayer r:embed="rId6">
                     <a14:imgEffect>
                       <a14:backgroundRemoval t="8257" b="99083" l="1080" r="99784">
                         <a14:foregroundMark x1="1080" y1="46789" x2="5400" y2="10092"/>
@@ -3212,7 +3272,7 @@
         </p:blipFill>
         <p:spPr>
           <a:xfrm>
-            <a:off x="3438525" y="2963069"/>
+            <a:off x="7619793" y="4334024"/>
             <a:ext cx="4410075" cy="1038225"/>
           </a:xfrm>
           <a:prstGeom prst="rect">
@@ -3222,18 +3282,18 @@
       </p:pic>
       <p:pic>
         <p:nvPicPr>
-          <p:cNvPr id="7" name="Picture 6"/>
+          <p:cNvPr id="12" name="Picture 11"/>
           <p:cNvPicPr>
             <a:picLocks noChangeAspect="1"/>
           </p:cNvPicPr>
           <p:nvPr/>
         </p:nvPicPr>
         <p:blipFill>
-          <a:blip r:embed="rId6">
+          <a:blip r:embed="rId7">
             <a:extLst>
               <a:ext uri="{BEBA8EAE-BF5A-486C-A8C5-ECC9F3942E4B}">
                 <a14:imgProps xmlns:a14="http://schemas.microsoft.com/office/drawing/2010/main">
-                  <a14:imgLayer r:embed="rId7">
+                  <a14:imgLayer r:embed="rId8">
                     <a14:imgEffect>
                       <a14:backgroundRemoval t="10000" b="90000" l="0" r="97500">
                         <a14:foregroundMark x1="32000" y1="49000" x2="32000" y2="49000"/>
@@ -3256,7 +3316,7 @@
         </p:blipFill>
         <p:spPr>
           <a:xfrm>
-            <a:off x="9448799" y="365124"/>
+            <a:off x="8701079" y="1668275"/>
             <a:ext cx="2261419" cy="2261419"/>
           </a:xfrm>
           <a:prstGeom prst="rect">
@@ -3266,18 +3326,18 @@
       </p:pic>
       <p:pic>
         <p:nvPicPr>
-          <p:cNvPr id="8" name="Picture 7"/>
+          <p:cNvPr id="13" name="Picture 12"/>
           <p:cNvPicPr>
             <a:picLocks noChangeAspect="1"/>
           </p:cNvPicPr>
           <p:nvPr/>
         </p:nvPicPr>
         <p:blipFill>
-          <a:blip r:embed="rId8">
+          <a:blip r:embed="rId9">
             <a:extLst>
               <a:ext uri="{BEBA8EAE-BF5A-486C-A8C5-ECC9F3942E4B}">
                 <a14:imgProps xmlns:a14="http://schemas.microsoft.com/office/drawing/2010/main">
-                  <a14:imgLayer r:embed="rId9">
+                  <a14:imgLayer r:embed="rId10">
                     <a14:imgEffect>
                       <a14:backgroundRemoval t="0" b="100000" l="815" r="99457">
                         <a14:foregroundMark x1="26630" y1="44776" x2="26630" y2="44776"/>
@@ -3315,7 +3375,7 @@
         </p:blipFill>
         <p:spPr>
           <a:xfrm>
-            <a:off x="8535575" y="2251632"/>
+            <a:off x="3627565" y="4424120"/>
             <a:ext cx="3505200" cy="638175"/>
           </a:xfrm>
           <a:prstGeom prst="rect">
@@ -3327,6 +3387,252 @@
     <p:extLst>
       <p:ext uri="{BB962C8B-B14F-4D97-AF65-F5344CB8AC3E}">
         <p14:creationId xmlns:p14="http://schemas.microsoft.com/office/powerpoint/2010/main" val="2996269983"/>
+      </p:ext>
+    </p:extLst>
+  </p:cSld>
+  <p:clrMapOvr>
+    <a:masterClrMapping/>
+  </p:clrMapOvr>
+  <p:timing>
+    <p:tnLst>
+      <p:par>
+        <p:cTn xmlns:p14="http://schemas.microsoft.com/office/powerpoint/2010/main" id="1" dur="indefinite" restart="never" nodeType="tmRoot"/>
+      </p:par>
+    </p:tnLst>
+  </p:timing>
+</p:sld>
+</file>
+
+<file path=ppt/slides/slide10.xml><?xml version="1.0" encoding="utf-8"?>
+<p:sld xmlns:a="http://schemas.openxmlformats.org/drawingml/2006/main" xmlns:r="http://schemas.openxmlformats.org/officeDocument/2006/relationships" xmlns:p="http://schemas.openxmlformats.org/presentationml/2006/main">
+  <p:cSld>
+    <p:spTree>
+      <p:nvGrpSpPr>
+        <p:cNvPr id="1" name=""/>
+        <p:cNvGrpSpPr/>
+        <p:nvPr/>
+      </p:nvGrpSpPr>
+      <p:grpSpPr>
+        <a:xfrm>
+          <a:off x="0" y="0"/>
+          <a:ext cx="0" cy="0"/>
+          <a:chOff x="0" y="0"/>
+          <a:chExt cx="0" cy="0"/>
+        </a:xfrm>
+      </p:grpSpPr>
+      <p:pic>
+        <p:nvPicPr>
+          <p:cNvPr id="4" name="Content Placeholder 3" descr="1A399121-21E9-49AD-ADA2-CFB7836898F2.jpeg"/>
+          <p:cNvPicPr>
+            <a:picLocks noGrp="1" noChangeAspect="1"/>
+          </p:cNvPicPr>
+          <p:nvPr>
+            <p:ph idx="1"/>
+          </p:nvPr>
+        </p:nvPicPr>
+        <p:blipFill>
+          <a:blip r:embed="rId2">
+            <a:extLst>
+              <a:ext uri="{28A0092B-C50C-407E-A947-70E740481C1C}">
+                <a14:useLocalDpi xmlns:a14="http://schemas.microsoft.com/office/drawing/2010/main" val="0"/>
+              </a:ext>
+            </a:extLst>
+          </a:blip>
+          <a:srcRect t="13275" b="13275"/>
+          <a:stretch>
+            <a:fillRect/>
+          </a:stretch>
+        </p:blipFill>
+        <p:spPr>
+          <a:xfrm>
+            <a:off x="0" y="675499"/>
+            <a:ext cx="12177960" cy="5431009"/>
+          </a:xfrm>
+        </p:spPr>
+      </p:pic>
+    </p:spTree>
+    <p:extLst>
+      <p:ext uri="{BB962C8B-B14F-4D97-AF65-F5344CB8AC3E}">
+        <p14:creationId xmlns:p14="http://schemas.microsoft.com/office/powerpoint/2010/main" val="981172995"/>
+      </p:ext>
+    </p:extLst>
+  </p:cSld>
+  <p:clrMapOvr>
+    <a:masterClrMapping/>
+  </p:clrMapOvr>
+  <p:timing>
+    <p:tnLst>
+      <p:par>
+        <p:cTn xmlns:p14="http://schemas.microsoft.com/office/powerpoint/2010/main" id="1" dur="indefinite" restart="never" nodeType="tmRoot"/>
+      </p:par>
+    </p:tnLst>
+  </p:timing>
+</p:sld>
+</file>
+
+<file path=ppt/slides/slide11.xml><?xml version="1.0" encoding="utf-8"?>
+<p:sld xmlns:a="http://schemas.openxmlformats.org/drawingml/2006/main" xmlns:r="http://schemas.openxmlformats.org/officeDocument/2006/relationships" xmlns:p="http://schemas.openxmlformats.org/presentationml/2006/main">
+  <p:cSld>
+    <p:spTree>
+      <p:nvGrpSpPr>
+        <p:cNvPr id="1" name=""/>
+        <p:cNvGrpSpPr/>
+        <p:nvPr/>
+      </p:nvGrpSpPr>
+      <p:grpSpPr>
+        <a:xfrm>
+          <a:off x="0" y="0"/>
+          <a:ext cx="0" cy="0"/>
+          <a:chOff x="0" y="0"/>
+          <a:chExt cx="0" cy="0"/>
+        </a:xfrm>
+      </p:grpSpPr>
+      <p:pic>
+        <p:nvPicPr>
+          <p:cNvPr id="4" name="Picture 3" descr="Screen Shot 2017-04-01 at 11.33.06 AM.png"/>
+          <p:cNvPicPr>
+            <a:picLocks noChangeAspect="1"/>
+          </p:cNvPicPr>
+          <p:nvPr/>
+        </p:nvPicPr>
+        <p:blipFill>
+          <a:blip r:embed="rId2">
+            <a:extLst>
+              <a:ext uri="{28A0092B-C50C-407E-A947-70E740481C1C}">
+                <a14:useLocalDpi xmlns:a14="http://schemas.microsoft.com/office/drawing/2010/main" val="0"/>
+              </a:ext>
+            </a:extLst>
+          </a:blip>
+          <a:stretch>
+            <a:fillRect/>
+          </a:stretch>
+        </p:blipFill>
+        <p:spPr>
+          <a:xfrm>
+            <a:off x="7782342" y="2850604"/>
+            <a:ext cx="4409657" cy="4007396"/>
+          </a:xfrm>
+          <a:prstGeom prst="rect">
+            <a:avLst/>
+          </a:prstGeom>
+        </p:spPr>
+      </p:pic>
+      <p:pic>
+        <p:nvPicPr>
+          <p:cNvPr id="5" name="Picture 4" descr="Image result for Google"/>
+          <p:cNvPicPr>
+            <a:picLocks noChangeAspect="1" noChangeArrowheads="1"/>
+          </p:cNvPicPr>
+          <p:nvPr/>
+        </p:nvPicPr>
+        <p:blipFill rotWithShape="1">
+          <a:blip r:embed="rId3">
+            <a:extLst>
+              <a:ext uri="{BEBA8EAE-BF5A-486C-A8C5-ECC9F3942E4B}">
+                <a14:imgProps xmlns:a14="http://schemas.microsoft.com/office/drawing/2010/main">
+                  <a14:imgLayer r:embed="rId4">
+                    <a14:imgEffect>
+                      <a14:backgroundRemoval t="17000" b="82667" l="11000" r="81667"/>
+                    </a14:imgEffect>
+                  </a14:imgLayer>
+                </a14:imgProps>
+              </a:ext>
+              <a:ext uri="{28A0092B-C50C-407E-A947-70E740481C1C}">
+                <a14:useLocalDpi xmlns:a14="http://schemas.microsoft.com/office/drawing/2010/main" val="0"/>
+              </a:ext>
+            </a:extLst>
+          </a:blip>
+          <a:srcRect l="2864" t="12240" r="15105" b="15751"/>
+          <a:stretch/>
+        </p:blipFill>
+        <p:spPr bwMode="auto">
+          <a:xfrm>
+            <a:off x="2467630" y="161219"/>
+            <a:ext cx="5914103" cy="5191433"/>
+          </a:xfrm>
+          <a:prstGeom prst="ellipse">
+            <a:avLst/>
+          </a:prstGeom>
+          <a:noFill/>
+          <a:extLst>
+            <a:ext uri="{909E8E84-426E-40dd-AFC4-6F175D3DCCD1}">
+              <a14:hiddenFill xmlns:a14="http://schemas.microsoft.com/office/drawing/2010/main">
+                <a:solidFill>
+                  <a:srgbClr val="FFFFFF"/>
+                </a:solidFill>
+              </a14:hiddenFill>
+            </a:ext>
+          </a:extLst>
+        </p:spPr>
+      </p:pic>
+      <p:sp>
+        <p:nvSpPr>
+          <p:cNvPr id="7" name="TextBox 6"/>
+          <p:cNvSpPr txBox="1"/>
+          <p:nvPr/>
+        </p:nvSpPr>
+        <p:spPr>
+          <a:xfrm>
+            <a:off x="6169475" y="2417723"/>
+            <a:ext cx="1873045" cy="923330"/>
+          </a:xfrm>
+          <a:prstGeom prst="rect">
+            <a:avLst/>
+          </a:prstGeom>
+          <a:noFill/>
+        </p:spPr>
+        <p:txBody>
+          <a:bodyPr wrap="square" rtlCol="0">
+            <a:spAutoFit/>
+          </a:bodyPr>
+          <a:lstStyle/>
+          <a:p>
+            <a:r>
+              <a:rPr lang="en-US" sz="5400" b="1" dirty="0">
+                <a:solidFill>
+                  <a:schemeClr val="bg1"/>
+                </a:solidFill>
+              </a:rPr>
+              <a:t>NET+</a:t>
+            </a:r>
+          </a:p>
+        </p:txBody>
+      </p:sp>
+      <p:sp>
+        <p:nvSpPr>
+          <p:cNvPr id="8" name="Title 1"/>
+          <p:cNvSpPr>
+            <a:spLocks noGrp="1"/>
+          </p:cNvSpPr>
+          <p:nvPr>
+            <p:ph type="title"/>
+          </p:nvPr>
+        </p:nvSpPr>
+        <p:spPr>
+          <a:xfrm>
+            <a:off x="1806987" y="5423087"/>
+            <a:ext cx="8051799" cy="1325563"/>
+          </a:xfrm>
+        </p:spPr>
+        <p:txBody>
+          <a:bodyPr>
+            <a:noAutofit/>
+          </a:bodyPr>
+          <a:lstStyle/>
+          <a:p>
+            <a:pPr algn="ctr"/>
+            <a:r>
+              <a:rPr lang="en-US" sz="9600" b="1" dirty="0" smtClean="0"/>
+              <a:t>Thank you.</a:t>
+            </a:r>
+            <a:endParaRPr lang="en-US" sz="9600" b="1" dirty="0"/>
+          </a:p>
+        </p:txBody>
+      </p:sp>
+    </p:spTree>
+    <p:extLst>
+      <p:ext uri="{BB962C8B-B14F-4D97-AF65-F5344CB8AC3E}">
+        <p14:creationId xmlns:p14="http://schemas.microsoft.com/office/powerpoint/2010/main" val="3826614539"/>
       </p:ext>
     </p:extLst>
   </p:cSld>
@@ -4171,83 +4477,36 @@
           <a:chExt cx="0" cy="0"/>
         </a:xfrm>
       </p:grpSpPr>
-      <p:pic>
-        <p:nvPicPr>
-          <p:cNvPr id="1028" name="Picture 4" descr="Image result for Google"/>
-          <p:cNvPicPr>
-            <a:picLocks noChangeAspect="1" noChangeArrowheads="1"/>
-          </p:cNvPicPr>
-          <p:nvPr/>
-        </p:nvPicPr>
-        <p:blipFill rotWithShape="1">
-          <a:blip r:embed="rId2">
-            <a:extLst>
-              <a:ext uri="{BEBA8EAE-BF5A-486C-A8C5-ECC9F3942E4B}">
-                <a14:imgProps xmlns:a14="http://schemas.microsoft.com/office/drawing/2010/main">
-                  <a14:imgLayer r:embed="rId3">
-                    <a14:imgEffect>
-                      <a14:backgroundRemoval t="17000" b="82667" l="11000" r="81667"/>
-                    </a14:imgEffect>
-                  </a14:imgLayer>
-                </a14:imgProps>
-              </a:ext>
-              <a:ext uri="{28A0092B-C50C-407E-A947-70E740481C1C}">
-                <a14:useLocalDpi xmlns:a14="http://schemas.microsoft.com/office/drawing/2010/main" val="0"/>
-              </a:ext>
-            </a:extLst>
-          </a:blip>
-          <a:srcRect l="2864" t="12240" r="15105" b="15751"/>
-          <a:stretch/>
-        </p:blipFill>
-        <p:spPr bwMode="auto">
-          <a:xfrm>
-            <a:off x="2035278" y="471948"/>
-            <a:ext cx="5914103" cy="5191433"/>
-          </a:xfrm>
-          <a:prstGeom prst="ellipse">
-            <a:avLst/>
-          </a:prstGeom>
-          <a:noFill/>
-          <a:extLst>
-            <a:ext uri="{909E8E84-426E-40dd-AFC4-6F175D3DCCD1}">
-              <a14:hiddenFill xmlns:a14="http://schemas.microsoft.com/office/drawing/2010/main">
-                <a:solidFill>
-                  <a:srgbClr val="FFFFFF"/>
-                </a:solidFill>
-              </a14:hiddenFill>
-            </a:ext>
-          </a:extLst>
-        </p:spPr>
-      </p:pic>
-      <p:sp>
-        <p:nvSpPr>
-          <p:cNvPr id="6" name="TextBox 5"/>
-          <p:cNvSpPr txBox="1"/>
-          <p:nvPr/>
-        </p:nvSpPr>
-        <p:spPr>
-          <a:xfrm>
-            <a:off x="5737123" y="2728452"/>
-            <a:ext cx="1873045" cy="923330"/>
-          </a:xfrm>
-          <a:prstGeom prst="rect">
-            <a:avLst/>
-          </a:prstGeom>
-          <a:noFill/>
-        </p:spPr>
-        <p:txBody>
-          <a:bodyPr wrap="square" rtlCol="0">
-            <a:spAutoFit/>
+      <p:sp>
+        <p:nvSpPr>
+          <p:cNvPr id="2" name="Title 1"/>
+          <p:cNvSpPr>
+            <a:spLocks noGrp="1"/>
+          </p:cNvSpPr>
+          <p:nvPr>
+            <p:ph type="title"/>
+          </p:nvPr>
+        </p:nvSpPr>
+        <p:spPr>
+          <a:xfrm>
+            <a:off x="1806987" y="2842682"/>
+            <a:ext cx="8051799" cy="1325563"/>
+          </a:xfrm>
+        </p:spPr>
+        <p:txBody>
+          <a:bodyPr>
+            <a:noAutofit/>
           </a:bodyPr>
           <a:lstStyle/>
           <a:p>
-            <a:r>
-              <a:rPr lang="en-US" sz="5400" b="1" dirty="0">
-                <a:solidFill>
-                  <a:schemeClr val="bg1"/>
-                </a:solidFill>
-              </a:rPr>
-              <a:t>NET+</a:t>
+            <a:pPr algn="ctr"/>
+            <a:r>
+              <a:rPr lang="en-US" sz="9600" b="1" dirty="0" smtClean="0"/>
+              <a:t>Front </a:t>
+            </a:r>
+            <a:r>
+              <a:rPr lang="en-US" sz="9600" b="1" dirty="0"/>
+              <a:t>End</a:t>
             </a:r>
           </a:p>
         </p:txBody>
@@ -4255,7 +4514,7 @@
     </p:spTree>
     <p:extLst>
       <p:ext uri="{BB962C8B-B14F-4D97-AF65-F5344CB8AC3E}">
-        <p14:creationId xmlns:p14="http://schemas.microsoft.com/office/powerpoint/2010/main" val="3826614539"/>
+        <p14:creationId xmlns:p14="http://schemas.microsoft.com/office/powerpoint/2010/main" val="531601449"/>
       </p:ext>
     </p:extLst>
   </p:cSld>
@@ -4291,42 +4550,58 @@
       </p:grpSpPr>
       <p:sp>
         <p:nvSpPr>
-          <p:cNvPr id="2" name="Title 1"/>
-          <p:cNvSpPr>
-            <a:spLocks noGrp="1"/>
-          </p:cNvSpPr>
-          <p:nvPr>
-            <p:ph type="title"/>
-          </p:nvPr>
+          <p:cNvPr id="4" name="Title 1"/>
+          <p:cNvSpPr txBox="1">
+            <a:spLocks/>
+          </p:cNvSpPr>
+          <p:nvPr/>
         </p:nvSpPr>
         <p:spPr>
           <a:xfrm>
             <a:off x="1806987" y="2842682"/>
             <a:ext cx="8051799" cy="1325563"/>
           </a:xfrm>
-        </p:spPr>
-        <p:txBody>
-          <a:bodyPr>
+          <a:prstGeom prst="rect">
+            <a:avLst/>
+          </a:prstGeom>
+        </p:spPr>
+        <p:txBody>
+          <a:bodyPr vert="horz" lIns="91440" tIns="45720" rIns="91440" bIns="45720" rtlCol="0" anchor="ctr">
             <a:noAutofit/>
           </a:bodyPr>
-          <a:lstStyle/>
+          <a:lstStyle>
+            <a:lvl1pPr algn="l" defTabSz="914400" rtl="0" eaLnBrk="1" latinLnBrk="0" hangingPunct="1">
+              <a:lnSpc>
+                <a:spcPct val="90000"/>
+              </a:lnSpc>
+              <a:spcBef>
+                <a:spcPct val="0"/>
+              </a:spcBef>
+              <a:buNone/>
+              <a:defRPr sz="4400" kern="1200">
+                <a:solidFill>
+                  <a:schemeClr val="tx1"/>
+                </a:solidFill>
+                <a:latin typeface="+mj-lt"/>
+                <a:ea typeface="+mj-ea"/>
+                <a:cs typeface="+mj-cs"/>
+              </a:defRPr>
+            </a:lvl1pPr>
+          </a:lstStyle>
           <a:p>
             <a:pPr algn="ctr"/>
             <a:r>
               <a:rPr lang="en-US" sz="9600" b="1" dirty="0" smtClean="0"/>
-              <a:t>Front </a:t>
-            </a:r>
-            <a:r>
-              <a:rPr lang="en-US" sz="9600" b="1" dirty="0"/>
-              <a:t>End</a:t>
-            </a:r>
+              <a:t>Back End</a:t>
+            </a:r>
+            <a:endParaRPr lang="en-US" sz="9600" b="1" dirty="0"/>
           </a:p>
         </p:txBody>
       </p:sp>
     </p:spTree>
     <p:extLst>
       <p:ext uri="{BB962C8B-B14F-4D97-AF65-F5344CB8AC3E}">
-        <p14:creationId xmlns:p14="http://schemas.microsoft.com/office/powerpoint/2010/main" val="531601449"/>
+        <p14:creationId xmlns:p14="http://schemas.microsoft.com/office/powerpoint/2010/main" val="220475989"/>
       </p:ext>
     </p:extLst>
   </p:cSld>
@@ -4362,45 +4637,101 @@
       </p:grpSpPr>
       <p:sp>
         <p:nvSpPr>
-          <p:cNvPr id="2" name="Title 1"/>
-          <p:cNvSpPr>
-            <a:spLocks noGrp="1"/>
-          </p:cNvSpPr>
-          <p:nvPr>
-            <p:ph type="title"/>
-          </p:nvPr>
-        </p:nvSpPr>
-        <p:spPr>
-          <a:xfrm>
-            <a:off x="698185" y="2838994"/>
-            <a:ext cx="10515600" cy="1325563"/>
-          </a:xfrm>
-        </p:spPr>
-        <p:txBody>
-          <a:bodyPr>
-            <a:normAutofit/>
+          <p:cNvPr id="4" name="Title 1"/>
+          <p:cNvSpPr txBox="1">
+            <a:spLocks/>
+          </p:cNvSpPr>
+          <p:nvPr/>
+        </p:nvSpPr>
+        <p:spPr>
+          <a:xfrm>
+            <a:off x="1806987" y="343337"/>
+            <a:ext cx="8051799" cy="1325563"/>
+          </a:xfrm>
+          <a:prstGeom prst="rect">
+            <a:avLst/>
+          </a:prstGeom>
+        </p:spPr>
+        <p:txBody>
+          <a:bodyPr vert="horz" lIns="91440" tIns="45720" rIns="91440" bIns="45720" rtlCol="0" anchor="ctr">
+            <a:noAutofit/>
           </a:bodyPr>
-          <a:lstStyle/>
+          <a:lstStyle>
+            <a:lvl1pPr algn="l" defTabSz="914400" rtl="0" eaLnBrk="1" latinLnBrk="0" hangingPunct="1">
+              <a:lnSpc>
+                <a:spcPct val="90000"/>
+              </a:lnSpc>
+              <a:spcBef>
+                <a:spcPct val="0"/>
+              </a:spcBef>
+              <a:buNone/>
+              <a:defRPr sz="4400" kern="1200">
+                <a:solidFill>
+                  <a:schemeClr val="tx1"/>
+                </a:solidFill>
+                <a:latin typeface="+mj-lt"/>
+                <a:ea typeface="+mj-ea"/>
+                <a:cs typeface="+mj-cs"/>
+              </a:defRPr>
+            </a:lvl1pPr>
+          </a:lstStyle>
           <a:p>
             <a:pPr algn="ctr"/>
             <a:r>
-              <a:rPr lang="en-US" sz="8800" b="1" dirty="0" smtClean="0"/>
-              <a:t>Back End</a:t>
-            </a:r>
-            <a:endParaRPr lang="en-US" sz="8800" b="1" dirty="0"/>
-          </a:p>
-        </p:txBody>
-      </p:sp>
+              <a:rPr lang="en-US" sz="9600" b="1" dirty="0" smtClean="0"/>
+              <a:t>Web-App API</a:t>
+            </a:r>
+            <a:endParaRPr lang="en-US" sz="9600" b="1" dirty="0"/>
+          </a:p>
+        </p:txBody>
+      </p:sp>
+      <p:pic>
+        <p:nvPicPr>
+          <p:cNvPr id="5" name="Picture 4" descr="apiGif3.gif"/>
+          <p:cNvPicPr>
+            <a:picLocks noChangeAspect="1"/>
+          </p:cNvPicPr>
+          <p:nvPr/>
+        </p:nvPicPr>
+        <p:blipFill>
+          <a:blip r:embed="rId2">
+            <a:extLst>
+              <a:ext uri="{28A0092B-C50C-407E-A947-70E740481C1C}">
+                <a14:useLocalDpi xmlns:a14="http://schemas.microsoft.com/office/drawing/2010/main" val="0"/>
+              </a:ext>
+            </a:extLst>
+          </a:blip>
+          <a:stretch>
+            <a:fillRect/>
+          </a:stretch>
+        </p:blipFill>
+        <p:spPr>
+          <a:xfrm>
+            <a:off x="2403048" y="2701995"/>
+            <a:ext cx="6884084" cy="2950322"/>
+          </a:xfrm>
+          <a:prstGeom prst="rect">
+            <a:avLst/>
+          </a:prstGeom>
+        </p:spPr>
+      </p:pic>
     </p:spTree>
     <p:extLst>
       <p:ext uri="{BB962C8B-B14F-4D97-AF65-F5344CB8AC3E}">
-        <p14:creationId xmlns:p14="http://schemas.microsoft.com/office/powerpoint/2010/main" val="220475989"/>
+        <p14:creationId xmlns:p14="http://schemas.microsoft.com/office/powerpoint/2010/main" val="3393821036"/>
       </p:ext>
     </p:extLst>
   </p:cSld>
   <p:clrMapOvr>
     <a:masterClrMapping/>
   </p:clrMapOvr>
+  <p:timing>
+    <p:tnLst>
+      <p:par>
+        <p:cTn xmlns:p14="http://schemas.microsoft.com/office/powerpoint/2010/main" id="1" dur="indefinite" restart="never" nodeType="tmRoot"/>
+      </p:par>
+    </p:tnLst>
+  </p:timing>
 </p:sld>
 </file>
 
@@ -4423,33 +4754,78 @@
       </p:grpSpPr>
       <p:sp>
         <p:nvSpPr>
-          <p:cNvPr id="2" name="Title 1"/>
-          <p:cNvSpPr>
-            <a:spLocks noGrp="1"/>
-          </p:cNvSpPr>
-          <p:nvPr>
-            <p:ph type="title"/>
-          </p:nvPr>
-        </p:nvSpPr>
-        <p:spPr>
-          <a:xfrm>
-            <a:off x="557178" y="2822310"/>
-            <a:ext cx="10515600" cy="1325563"/>
-          </a:xfrm>
-        </p:spPr>
-        <p:txBody>
-          <a:bodyPr/>
-          <a:lstStyle/>
+          <p:cNvPr id="7" name="Title 1"/>
+          <p:cNvSpPr txBox="1">
+            <a:spLocks/>
+          </p:cNvSpPr>
+          <p:nvPr/>
+        </p:nvSpPr>
+        <p:spPr>
+          <a:xfrm>
+            <a:off x="1806987" y="343337"/>
+            <a:ext cx="8051799" cy="1325563"/>
+          </a:xfrm>
+          <a:prstGeom prst="rect">
+            <a:avLst/>
+          </a:prstGeom>
+        </p:spPr>
+        <p:txBody>
+          <a:bodyPr vert="horz" lIns="91440" tIns="45720" rIns="91440" bIns="45720" rtlCol="0" anchor="ctr">
+            <a:noAutofit/>
+          </a:bodyPr>
+          <a:lstStyle>
+            <a:lvl1pPr algn="l" defTabSz="914400" rtl="0" eaLnBrk="1" latinLnBrk="0" hangingPunct="1">
+              <a:lnSpc>
+                <a:spcPct val="90000"/>
+              </a:lnSpc>
+              <a:spcBef>
+                <a:spcPct val="0"/>
+              </a:spcBef>
+              <a:buNone/>
+              <a:defRPr sz="4400" kern="1200">
+                <a:solidFill>
+                  <a:schemeClr val="tx1"/>
+                </a:solidFill>
+                <a:latin typeface="+mj-lt"/>
+                <a:ea typeface="+mj-ea"/>
+                <a:cs typeface="+mj-cs"/>
+              </a:defRPr>
+            </a:lvl1pPr>
+          </a:lstStyle>
           <a:p>
             <a:pPr algn="ctr"/>
             <a:r>
-              <a:rPr lang="en-US" sz="8000" b="1" dirty="0"/>
+              <a:rPr lang="en-US" sz="9600" b="1" dirty="0" smtClean="0"/>
               <a:t>Challenges</a:t>
             </a:r>
-            <a:endParaRPr lang="en-US" b="1" dirty="0"/>
-          </a:p>
-        </p:txBody>
-      </p:sp>
+            <a:endParaRPr lang="en-US" sz="9600" b="1" dirty="0"/>
+          </a:p>
+        </p:txBody>
+      </p:sp>
+      <p:pic>
+        <p:nvPicPr>
+          <p:cNvPr id="8" name="Picture 7"/>
+          <p:cNvPicPr>
+            <a:picLocks noChangeAspect="1"/>
+          </p:cNvPicPr>
+          <p:nvPr/>
+        </p:nvPicPr>
+        <p:blipFill>
+          <a:blip r:embed="rId2"/>
+          <a:stretch>
+            <a:fillRect/>
+          </a:stretch>
+        </p:blipFill>
+        <p:spPr>
+          <a:xfrm>
+            <a:off x="3984556" y="2370819"/>
+            <a:ext cx="4114800" cy="3251200"/>
+          </a:xfrm>
+          <a:prstGeom prst="rect">
+            <a:avLst/>
+          </a:prstGeom>
+        </p:spPr>
+      </p:pic>
     </p:spTree>
     <p:extLst>
       <p:ext uri="{BB962C8B-B14F-4D97-AF65-F5344CB8AC3E}">
@@ -4460,6 +4836,13 @@
   <p:clrMapOvr>
     <a:masterClrMapping/>
   </p:clrMapOvr>
+  <p:timing>
+    <p:tnLst>
+      <p:par>
+        <p:cTn xmlns:p14="http://schemas.microsoft.com/office/powerpoint/2010/main" id="1" dur="indefinite" restart="never" nodeType="tmRoot"/>
+      </p:par>
+    </p:tnLst>
+  </p:timing>
 </p:sld>
 </file>
 
@@ -4482,45 +4865,101 @@
       </p:grpSpPr>
       <p:sp>
         <p:nvSpPr>
-          <p:cNvPr id="2" name="Title 1"/>
-          <p:cNvSpPr>
-            <a:spLocks noGrp="1"/>
-          </p:cNvSpPr>
-          <p:nvPr>
-            <p:ph type="title"/>
-          </p:nvPr>
-        </p:nvSpPr>
-        <p:spPr>
-          <a:xfrm>
-            <a:off x="653473" y="2787160"/>
-            <a:ext cx="10515600" cy="1325563"/>
-          </a:xfrm>
-        </p:spPr>
-        <p:txBody>
-          <a:bodyPr>
-            <a:normAutofit/>
+          <p:cNvPr id="7" name="Title 1"/>
+          <p:cNvSpPr txBox="1">
+            <a:spLocks/>
+          </p:cNvSpPr>
+          <p:nvPr/>
+        </p:nvSpPr>
+        <p:spPr>
+          <a:xfrm>
+            <a:off x="1806987" y="343337"/>
+            <a:ext cx="8051799" cy="1325563"/>
+          </a:xfrm>
+          <a:prstGeom prst="rect">
+            <a:avLst/>
+          </a:prstGeom>
+        </p:spPr>
+        <p:txBody>
+          <a:bodyPr vert="horz" lIns="91440" tIns="45720" rIns="91440" bIns="45720" rtlCol="0" anchor="ctr">
+            <a:noAutofit/>
           </a:bodyPr>
-          <a:lstStyle/>
+          <a:lstStyle>
+            <a:lvl1pPr algn="l" defTabSz="914400" rtl="0" eaLnBrk="1" latinLnBrk="0" hangingPunct="1">
+              <a:lnSpc>
+                <a:spcPct val="90000"/>
+              </a:lnSpc>
+              <a:spcBef>
+                <a:spcPct val="0"/>
+              </a:spcBef>
+              <a:buNone/>
+              <a:defRPr sz="4400" kern="1200">
+                <a:solidFill>
+                  <a:schemeClr val="tx1"/>
+                </a:solidFill>
+                <a:latin typeface="+mj-lt"/>
+                <a:ea typeface="+mj-ea"/>
+                <a:cs typeface="+mj-cs"/>
+              </a:defRPr>
+            </a:lvl1pPr>
+          </a:lstStyle>
           <a:p>
             <a:pPr algn="ctr"/>
             <a:r>
-              <a:rPr lang="en-US" sz="8000" b="1" dirty="0" smtClean="0"/>
-              <a:t>Demo</a:t>
-            </a:r>
-            <a:endParaRPr lang="en-US" sz="4800" b="1" dirty="0"/>
-          </a:p>
-        </p:txBody>
-      </p:sp>
+              <a:rPr lang="en-US" sz="9600" b="1" dirty="0" smtClean="0"/>
+              <a:t>Challenges</a:t>
+            </a:r>
+            <a:endParaRPr lang="en-US" sz="9600" b="1" dirty="0"/>
+          </a:p>
+        </p:txBody>
+      </p:sp>
+      <p:pic>
+        <p:nvPicPr>
+          <p:cNvPr id="2" name="Picture 1" descr="926fb29a097f06f2a1fdf6d309b1adcf.jpg"/>
+          <p:cNvPicPr>
+            <a:picLocks noChangeAspect="1"/>
+          </p:cNvPicPr>
+          <p:nvPr/>
+        </p:nvPicPr>
+        <p:blipFill>
+          <a:blip r:embed="rId2">
+            <a:extLst>
+              <a:ext uri="{28A0092B-C50C-407E-A947-70E740481C1C}">
+                <a14:useLocalDpi xmlns:a14="http://schemas.microsoft.com/office/drawing/2010/main" val="0"/>
+              </a:ext>
+            </a:extLst>
+          </a:blip>
+          <a:stretch>
+            <a:fillRect/>
+          </a:stretch>
+        </p:blipFill>
+        <p:spPr>
+          <a:xfrm>
+            <a:off x="2621137" y="1984640"/>
+            <a:ext cx="7010400" cy="4406900"/>
+          </a:xfrm>
+          <a:prstGeom prst="rect">
+            <a:avLst/>
+          </a:prstGeom>
+        </p:spPr>
+      </p:pic>
     </p:spTree>
     <p:extLst>
       <p:ext uri="{BB962C8B-B14F-4D97-AF65-F5344CB8AC3E}">
-        <p14:creationId xmlns:p14="http://schemas.microsoft.com/office/powerpoint/2010/main" val="1922357115"/>
+        <p14:creationId xmlns:p14="http://schemas.microsoft.com/office/powerpoint/2010/main" val="2505530722"/>
       </p:ext>
     </p:extLst>
   </p:cSld>
   <p:clrMapOvr>
     <a:masterClrMapping/>
   </p:clrMapOvr>
+  <p:timing>
+    <p:tnLst>
+      <p:par>
+        <p:cTn xmlns:p14="http://schemas.microsoft.com/office/powerpoint/2010/main" id="1" dur="indefinite" restart="never" nodeType="tmRoot"/>
+      </p:par>
+    </p:tnLst>
+  </p:timing>
 </p:sld>
 </file>
 
@@ -4543,63 +4982,71 @@
       </p:grpSpPr>
       <p:sp>
         <p:nvSpPr>
-          <p:cNvPr id="2" name="Title 1"/>
-          <p:cNvSpPr>
-            <a:spLocks noGrp="1"/>
-          </p:cNvSpPr>
-          <p:nvPr>
-            <p:ph type="title"/>
-          </p:nvPr>
-        </p:nvSpPr>
-        <p:spPr/>
-        <p:txBody>
-          <a:bodyPr/>
-          <a:lstStyle/>
-          <a:p>
-            <a:endParaRPr lang="en-US"/>
-          </a:p>
-        </p:txBody>
-      </p:sp>
-      <p:pic>
-        <p:nvPicPr>
-          <p:cNvPr id="4" name="Content Placeholder 3" descr="1A399121-21E9-49AD-ADA2-CFB7836898F2.jpeg"/>
-          <p:cNvPicPr>
-            <a:picLocks noGrp="1" noChangeAspect="1"/>
-          </p:cNvPicPr>
-          <p:nvPr>
-            <p:ph idx="1"/>
-          </p:nvPr>
-        </p:nvPicPr>
-        <p:blipFill>
-          <a:blip r:embed="rId2">
-            <a:extLst>
-              <a:ext uri="{28A0092B-C50C-407E-A947-70E740481C1C}">
-                <a14:useLocalDpi xmlns:a14="http://schemas.microsoft.com/office/drawing/2010/main" val="0"/>
-              </a:ext>
-            </a:extLst>
-          </a:blip>
-          <a:srcRect t="13275" b="13275"/>
-          <a:stretch>
-            <a:fillRect/>
-          </a:stretch>
-        </p:blipFill>
-        <p:spPr>
-          <a:xfrm>
-            <a:off x="0" y="675499"/>
-            <a:ext cx="12177960" cy="5431009"/>
-          </a:xfrm>
-        </p:spPr>
-      </p:pic>
+          <p:cNvPr id="4" name="Title 1"/>
+          <p:cNvSpPr txBox="1">
+            <a:spLocks/>
+          </p:cNvSpPr>
+          <p:nvPr/>
+        </p:nvSpPr>
+        <p:spPr>
+          <a:xfrm>
+            <a:off x="1806987" y="2842682"/>
+            <a:ext cx="8051799" cy="1325563"/>
+          </a:xfrm>
+          <a:prstGeom prst="rect">
+            <a:avLst/>
+          </a:prstGeom>
+        </p:spPr>
+        <p:txBody>
+          <a:bodyPr vert="horz" lIns="91440" tIns="45720" rIns="91440" bIns="45720" rtlCol="0" anchor="ctr">
+            <a:noAutofit/>
+          </a:bodyPr>
+          <a:lstStyle>
+            <a:lvl1pPr algn="l" defTabSz="914400" rtl="0" eaLnBrk="1" latinLnBrk="0" hangingPunct="1">
+              <a:lnSpc>
+                <a:spcPct val="90000"/>
+              </a:lnSpc>
+              <a:spcBef>
+                <a:spcPct val="0"/>
+              </a:spcBef>
+              <a:buNone/>
+              <a:defRPr sz="4400" kern="1200">
+                <a:solidFill>
+                  <a:schemeClr val="tx1"/>
+                </a:solidFill>
+                <a:latin typeface="+mj-lt"/>
+                <a:ea typeface="+mj-ea"/>
+                <a:cs typeface="+mj-cs"/>
+              </a:defRPr>
+            </a:lvl1pPr>
+          </a:lstStyle>
+          <a:p>
+            <a:pPr algn="ctr"/>
+            <a:r>
+              <a:rPr lang="en-US" sz="9600" b="1" dirty="0" smtClean="0"/>
+              <a:t>Other Applications</a:t>
+            </a:r>
+            <a:endParaRPr lang="en-US" sz="9600" b="1" dirty="0"/>
+          </a:p>
+        </p:txBody>
+      </p:sp>
     </p:spTree>
     <p:extLst>
       <p:ext uri="{BB962C8B-B14F-4D97-AF65-F5344CB8AC3E}">
-        <p14:creationId xmlns:p14="http://schemas.microsoft.com/office/powerpoint/2010/main" val="981172995"/>
+        <p14:creationId xmlns:p14="http://schemas.microsoft.com/office/powerpoint/2010/main" val="2388808344"/>
       </p:ext>
     </p:extLst>
   </p:cSld>
   <p:clrMapOvr>
     <a:masterClrMapping/>
   </p:clrMapOvr>
+  <p:timing>
+    <p:tnLst>
+      <p:par>
+        <p:cTn xmlns:p14="http://schemas.microsoft.com/office/powerpoint/2010/main" id="1" dur="indefinite" restart="never" nodeType="tmRoot"/>
+      </p:par>
+    </p:tnLst>
+  </p:timing>
 </p:sld>
 </file>
 
@@ -4622,44 +5069,158 @@
       </p:grpSpPr>
       <p:sp>
         <p:nvSpPr>
-          <p:cNvPr id="4" name="TextBox 3"/>
-          <p:cNvSpPr txBox="1"/>
+          <p:cNvPr id="3" name="Content Placeholder 2"/>
+          <p:cNvSpPr>
+            <a:spLocks noGrp="1"/>
+          </p:cNvSpPr>
+          <p:nvPr>
+            <p:ph idx="1"/>
+          </p:nvPr>
+        </p:nvSpPr>
+        <p:spPr/>
+        <p:txBody>
+          <a:bodyPr/>
+          <a:lstStyle/>
+          <a:p>
+            <a:r>
+              <a:rPr lang="en-US" b="1" dirty="0" smtClean="0"/>
+              <a:t>Languages: </a:t>
+            </a:r>
+          </a:p>
+          <a:p>
+            <a:pPr lvl="1"/>
+            <a:r>
+              <a:rPr lang="en-US" b="1" dirty="0" smtClean="0"/>
+              <a:t>C++</a:t>
+            </a:r>
+          </a:p>
+          <a:p>
+            <a:pPr lvl="1"/>
+            <a:r>
+              <a:rPr lang="en-US" b="1" dirty="0" err="1" smtClean="0"/>
+              <a:t>PostgresSQL</a:t>
+            </a:r>
+            <a:endParaRPr lang="en-US" b="1" dirty="0"/>
+          </a:p>
+          <a:p>
+            <a:pPr lvl="1"/>
+            <a:r>
+              <a:rPr lang="en-US" b="1" dirty="0" smtClean="0"/>
+              <a:t>JavaScript</a:t>
+            </a:r>
+          </a:p>
+          <a:p>
+            <a:pPr lvl="1"/>
+            <a:r>
+              <a:rPr lang="en-US" b="1" dirty="0" smtClean="0"/>
+              <a:t>HTML</a:t>
+            </a:r>
+          </a:p>
+          <a:p>
+            <a:pPr lvl="1"/>
+            <a:r>
+              <a:rPr lang="en-US" b="1" dirty="0" smtClean="0"/>
+              <a:t>PHP</a:t>
+            </a:r>
+            <a:endParaRPr lang="en-US" b="1" dirty="0"/>
+          </a:p>
+          <a:p>
+            <a:r>
+              <a:rPr lang="en-US" b="1" dirty="0" smtClean="0"/>
+              <a:t>Other: </a:t>
+            </a:r>
+          </a:p>
+          <a:p>
+            <a:pPr lvl="1"/>
+            <a:r>
+              <a:rPr lang="en-US" b="1" dirty="0" smtClean="0"/>
+              <a:t>Google Plus API </a:t>
+            </a:r>
+          </a:p>
+          <a:p>
+            <a:pPr lvl="1"/>
+            <a:r>
+              <a:rPr lang="en-US" b="1" dirty="0" smtClean="0"/>
+              <a:t>Google Chrome Extensions</a:t>
+            </a:r>
+          </a:p>
+          <a:p>
+            <a:pPr lvl="1"/>
+            <a:r>
+              <a:rPr lang="en-US" b="1" smtClean="0"/>
+              <a:t>GitHub</a:t>
+            </a:r>
+            <a:endParaRPr lang="en-US" b="1" dirty="0"/>
+          </a:p>
+        </p:txBody>
+      </p:sp>
+      <p:sp>
+        <p:nvSpPr>
+          <p:cNvPr id="4" name="Title 1"/>
+          <p:cNvSpPr txBox="1">
+            <a:spLocks/>
+          </p:cNvSpPr>
           <p:nvPr/>
         </p:nvSpPr>
         <p:spPr>
           <a:xfrm>
-            <a:off x="2448233" y="2679816"/>
-            <a:ext cx="7669161" cy="1446550"/>
+            <a:off x="1806987" y="343337"/>
+            <a:ext cx="8051799" cy="1325563"/>
           </a:xfrm>
           <a:prstGeom prst="rect">
             <a:avLst/>
           </a:prstGeom>
-          <a:noFill/>
-        </p:spPr>
-        <p:txBody>
-          <a:bodyPr wrap="square" rtlCol="0">
-            <a:spAutoFit/>
+        </p:spPr>
+        <p:txBody>
+          <a:bodyPr vert="horz" lIns="91440" tIns="45720" rIns="91440" bIns="45720" rtlCol="0" anchor="ctr">
+            <a:noAutofit/>
           </a:bodyPr>
-          <a:lstStyle/>
+          <a:lstStyle>
+            <a:lvl1pPr algn="l" defTabSz="914400" rtl="0" eaLnBrk="1" latinLnBrk="0" hangingPunct="1">
+              <a:lnSpc>
+                <a:spcPct val="90000"/>
+              </a:lnSpc>
+              <a:spcBef>
+                <a:spcPct val="0"/>
+              </a:spcBef>
+              <a:buNone/>
+              <a:defRPr sz="4400" kern="1200">
+                <a:solidFill>
+                  <a:schemeClr val="tx1"/>
+                </a:solidFill>
+                <a:latin typeface="+mj-lt"/>
+                <a:ea typeface="+mj-ea"/>
+                <a:cs typeface="+mj-cs"/>
+              </a:defRPr>
+            </a:lvl1pPr>
+          </a:lstStyle>
           <a:p>
             <a:pPr algn="ctr"/>
             <a:r>
-              <a:rPr lang="en-US" sz="8800" dirty="0"/>
-              <a:t>Questions?</a:t>
-            </a:r>
+              <a:rPr lang="en-US" sz="9600" b="1" dirty="0" smtClean="0"/>
+              <a:t>Tools Used</a:t>
+            </a:r>
+            <a:endParaRPr lang="en-US" sz="9600" b="1" dirty="0"/>
           </a:p>
         </p:txBody>
       </p:sp>
     </p:spTree>
     <p:extLst>
       <p:ext uri="{BB962C8B-B14F-4D97-AF65-F5344CB8AC3E}">
-        <p14:creationId xmlns:p14="http://schemas.microsoft.com/office/powerpoint/2010/main" val="2802734163"/>
+        <p14:creationId xmlns:p14="http://schemas.microsoft.com/office/powerpoint/2010/main" val="1821893212"/>
       </p:ext>
     </p:extLst>
   </p:cSld>
   <p:clrMapOvr>
     <a:masterClrMapping/>
   </p:clrMapOvr>
+  <p:timing>
+    <p:tnLst>
+      <p:par>
+        <p:cTn xmlns:p14="http://schemas.microsoft.com/office/powerpoint/2010/main" id="1" dur="indefinite" restart="never" nodeType="tmRoot"/>
+      </p:par>
+    </p:tnLst>
+  </p:timing>
 </p:sld>
 </file>
 
